--- a/presentation/CryptographicPrimitives.pptx
+++ b/presentation/CryptographicPrimitives.pptx
@@ -5,7 +5,7 @@
     <p:sldMasterId id="2147483660" r:id="rId1"/>
   </p:sldMasterIdLst>
   <p:notesMasterIdLst>
-    <p:notesMasterId r:id="rId43"/>
+    <p:notesMasterId r:id="rId47"/>
   </p:notesMasterIdLst>
   <p:sldIdLst>
     <p:sldId id="256" r:id="rId2"/>
@@ -49,6 +49,10 @@
     <p:sldId id="287" r:id="rId40"/>
     <p:sldId id="291" r:id="rId41"/>
     <p:sldId id="292" r:id="rId42"/>
+    <p:sldId id="299" r:id="rId43"/>
+    <p:sldId id="298" r:id="rId44"/>
+    <p:sldId id="300" r:id="rId45"/>
+    <p:sldId id="301" r:id="rId46"/>
   </p:sldIdLst>
   <p:sldSz cx="12192000" cy="6858000"/>
   <p:notesSz cx="6858000" cy="9144000"/>
@@ -211,6 +215,14 @@
             <p14:sldId id="292"/>
           </p14:sldIdLst>
         </p14:section>
+        <p14:section name="Backup" id="{0F3C8DDE-95B4-46D5-B595-CC7A2D31EE4F}">
+          <p14:sldIdLst>
+            <p14:sldId id="299"/>
+            <p14:sldId id="298"/>
+            <p14:sldId id="300"/>
+            <p14:sldId id="301"/>
+          </p14:sldIdLst>
+        </p14:section>
       </p14:sectionLst>
     </p:ext>
     <p:ext uri="{EFAFB233-063F-42B5-8137-9DF3F51BA10A}">
@@ -302,7 +314,7 @@
           <a:p>
             <a:fld id="{3D779D5F-0165-4A29-8707-479C14069FD1}" type="datetimeFigureOut">
               <a:rPr lang="en-GB" smtClean="0"/>
-              <a:t>19/10/2022</a:t>
+              <a:t>14/11/2022</a:t>
             </a:fld>
             <a:endParaRPr lang="en-GB"/>
           </a:p>
@@ -571,7 +583,7 @@
 </file>
 
 <file path=ppt/slideLayouts/slideLayout1.xml><?xml version="1.0" encoding="utf-8"?>
-<p:sldLayout xmlns:a="http://schemas.openxmlformats.org/drawingml/2006/main" xmlns:r="http://schemas.openxmlformats.org/officeDocument/2006/relationships" xmlns:p="http://schemas.openxmlformats.org/presentationml/2006/main" showMasterSp="0" type="title" preserve="1">
+<p:sldLayout xmlns:a="http://schemas.openxmlformats.org/drawingml/2006/main" xmlns:r="http://schemas.openxmlformats.org/officeDocument/2006/relationships" xmlns:p="http://schemas.openxmlformats.org/presentationml/2006/main" type="title" preserve="1">
   <p:cSld name="Title Slide">
     <p:spTree>
       <p:nvGrpSpPr>
@@ -728,7 +740,7 @@
           <a:p>
             <a:fld id="{C336BC45-1A17-43EC-A588-A1B59079BDF7}" type="datetime1">
               <a:rPr lang="en-GB" smtClean="0"/>
-              <a:t>19/10/2022</a:t>
+              <a:t>14/11/2022</a:t>
             </a:fld>
             <a:endParaRPr lang="en-GB"/>
           </a:p>
@@ -956,7 +968,7 @@
           <a:p>
             <a:fld id="{C6978A08-4ACF-4574-A208-E169B1BA26CF}" type="datetime1">
               <a:rPr lang="en-GB" smtClean="0"/>
-              <a:t>19/10/2022</a:t>
+              <a:t>14/11/2022</a:t>
             </a:fld>
             <a:endParaRPr lang="en-GB"/>
           </a:p>
@@ -1136,7 +1148,7 @@
           <a:p>
             <a:fld id="{19F885DF-AE2E-40B1-B2C0-905EE28979FB}" type="datetime1">
               <a:rPr lang="en-GB" smtClean="0"/>
-              <a:t>19/10/2022</a:t>
+              <a:t>14/11/2022</a:t>
             </a:fld>
             <a:endParaRPr lang="en-GB"/>
           </a:p>
@@ -1311,7 +1323,7 @@
           <a:p>
             <a:fld id="{4B9A42B7-2816-4DE2-B791-6A8D4EA7867D}" type="datetime1">
               <a:rPr lang="en-GB" smtClean="0"/>
-              <a:t>19/10/2022</a:t>
+              <a:t>14/11/2022</a:t>
             </a:fld>
             <a:endParaRPr lang="en-GB"/>
           </a:p>
@@ -1620,7 +1632,7 @@
           <a:p>
             <a:fld id="{815F293A-1C1A-4D85-9C05-3AC929009E0A}" type="datetime1">
               <a:rPr lang="en-GB" smtClean="0"/>
-              <a:t>19/10/2022</a:t>
+              <a:t>14/11/2022</a:t>
             </a:fld>
             <a:endParaRPr lang="en-GB"/>
           </a:p>
@@ -1920,7 +1932,7 @@
           <a:p>
             <a:fld id="{097B477C-D967-4BC9-B2D3-7C835DC3C36C}" type="datetime1">
               <a:rPr lang="en-GB" smtClean="0"/>
-              <a:t>19/10/2022</a:t>
+              <a:t>14/11/2022</a:t>
             </a:fld>
             <a:endParaRPr lang="en-GB"/>
           </a:p>
@@ -2371,7 +2383,7 @@
           <a:p>
             <a:fld id="{50AC0B5A-09AD-44BA-9795-05980121A644}" type="datetime1">
               <a:rPr lang="en-GB" smtClean="0"/>
-              <a:t>19/10/2022</a:t>
+              <a:t>14/11/2022</a:t>
             </a:fld>
             <a:endParaRPr lang="en-GB"/>
           </a:p>
@@ -2489,7 +2501,7 @@
           <a:p>
             <a:fld id="{95FB54E5-1900-4834-BCE4-54F25FCA6B6B}" type="datetime1">
               <a:rPr lang="en-GB" smtClean="0"/>
-              <a:t>19/10/2022</a:t>
+              <a:t>14/11/2022</a:t>
             </a:fld>
             <a:endParaRPr lang="en-GB"/>
           </a:p>
@@ -2584,7 +2596,7 @@
           <a:p>
             <a:fld id="{481D9288-292F-422A-A28D-C1C0A133B437}" type="datetime1">
               <a:rPr lang="en-GB" smtClean="0"/>
-              <a:t>19/10/2022</a:t>
+              <a:t>14/11/2022</a:t>
             </a:fld>
             <a:endParaRPr lang="en-GB"/>
           </a:p>
@@ -2871,7 +2883,7 @@
           <a:p>
             <a:fld id="{F120053A-79CD-48AA-BC85-869B956E4396}" type="datetime1">
               <a:rPr lang="en-GB" smtClean="0"/>
-              <a:t>19/10/2022</a:t>
+              <a:t>14/11/2022</a:t>
             </a:fld>
             <a:endParaRPr lang="en-GB"/>
           </a:p>
@@ -3193,7 +3205,7 @@
           <a:p>
             <a:fld id="{7450D8DE-A7ED-497E-A898-F680536510A4}" type="datetime1">
               <a:rPr lang="en-GB" smtClean="0"/>
-              <a:t>19/10/2022</a:t>
+              <a:t>14/11/2022</a:t>
             </a:fld>
             <a:endParaRPr lang="en-GB"/>
           </a:p>
@@ -3258,9 +3270,12 @@
 <p:sldMaster xmlns:a="http://schemas.openxmlformats.org/drawingml/2006/main" xmlns:r="http://schemas.openxmlformats.org/officeDocument/2006/relationships" xmlns:p="http://schemas.openxmlformats.org/presentationml/2006/main">
   <p:cSld>
     <p:bg>
-      <p:bgRef idx="1003">
-        <a:schemeClr val="bg2"/>
-      </p:bgRef>
+      <p:bgPr>
+        <a:solidFill>
+          <a:schemeClr val="bg1"/>
+        </a:solidFill>
+        <a:effectLst/>
+      </p:bgPr>
     </p:bg>
     <p:spTree>
       <p:nvGrpSpPr>
@@ -3447,7 +3462,7 @@
           <a:p>
             <a:fld id="{815F293A-1C1A-4D85-9C05-3AC929009E0A}" type="datetime1">
               <a:rPr lang="en-GB" smtClean="0"/>
-              <a:t>19/10/2022</a:t>
+              <a:t>14/11/2022</a:t>
             </a:fld>
             <a:endParaRPr lang="en-GB"/>
           </a:p>
@@ -3987,17 +4002,46 @@
           <a:p>
             <a:r>
               <a:rPr lang="en-GB" dirty="0"/>
-              <a:t>Blind Signatures – Homomorphic Encryption – Commitment Schemes</a:t>
-            </a:r>
-          </a:p>
-          <a:p>
-            <a:r>
-              <a:rPr lang="en-GB" dirty="0"/>
               <a:t>Markus Eggimann</a:t>
             </a:r>
           </a:p>
         </p:txBody>
       </p:sp>
+      <p:pic>
+        <p:nvPicPr>
+          <p:cNvPr id="5" name="Picture 4">
+            <a:extLst>
+              <a:ext uri="{FF2B5EF4-FFF2-40B4-BE49-F238E27FC236}">
+                <a16:creationId xmlns:a16="http://schemas.microsoft.com/office/drawing/2014/main" id="{92B4BA9C-F223-E905-22F4-8EB05E627ED4}"/>
+              </a:ext>
+            </a:extLst>
+          </p:cNvPr>
+          <p:cNvPicPr>
+            <a:picLocks noChangeAspect="1"/>
+          </p:cNvPicPr>
+          <p:nvPr/>
+        </p:nvPicPr>
+        <p:blipFill>
+          <a:blip r:embed="rId2">
+            <a:extLst>
+              <a:ext uri="{28A0092B-C50C-407E-A947-70E740481C1C}">
+                <a14:useLocalDpi xmlns:a14="http://schemas.microsoft.com/office/drawing/2010/main" val="0"/>
+              </a:ext>
+            </a:extLst>
+          </a:blip>
+          <a:srcRect/>
+          <a:stretch/>
+        </p:blipFill>
+        <p:spPr>
+          <a:xfrm>
+            <a:off x="7817970" y="365760"/>
+            <a:ext cx="2862222" cy="2880000"/>
+          </a:xfrm>
+          <a:prstGeom prst="rect">
+            <a:avLst/>
+          </a:prstGeom>
+        </p:spPr>
+      </p:pic>
     </p:spTree>
     <p:extLst>
       <p:ext uri="{BB962C8B-B14F-4D97-AF65-F5344CB8AC3E}">
@@ -8836,8 +8880,8 @@
           </a:p>
         </p:txBody>
       </p:sp>
-      <mc:AlternateContent xmlns:mc="http://schemas.openxmlformats.org/markup-compatibility/2006" xmlns:a14="http://schemas.microsoft.com/office/drawing/2010/main">
-        <mc:Choice Requires="a14">
+      <mc:AlternateContent xmlns:mc="http://schemas.openxmlformats.org/markup-compatibility/2006">
+        <mc:Choice xmlns:a14="http://schemas.microsoft.com/office/drawing/2010/main" Requires="a14">
           <p:sp>
             <p:nvSpPr>
               <p:cNvPr id="3" name="Content Placeholder 2">
@@ -9205,6 +9249,12 @@
                           <a:rPr lang="en-GB" b="0" i="1" smtClean="0">
                             <a:latin typeface="Cambria Math" panose="02040503050406030204" pitchFamily="18" charset="0"/>
                           </a:rPr>
+                          <m:t> </m:t>
+                        </m:r>
+                        <m:r>
+                          <a:rPr lang="en-GB" b="0" i="1" smtClean="0">
+                            <a:latin typeface="Cambria Math" panose="02040503050406030204" pitchFamily="18" charset="0"/>
+                          </a:rPr>
                           <m:t>𝑚</m:t>
                         </m:r>
                       </m:e>
@@ -9252,7 +9302,7 @@
             </p:txBody>
           </p:sp>
         </mc:Choice>
-        <mc:Fallback xmlns="">
+        <mc:Fallback>
           <p:sp>
             <p:nvSpPr>
               <p:cNvPr id="3" name="Content Placeholder 2">
@@ -12415,8 +12465,8 @@
           </a:p>
         </p:txBody>
       </p:sp>
-      <mc:AlternateContent xmlns:mc="http://schemas.openxmlformats.org/markup-compatibility/2006" xmlns:a14="http://schemas.microsoft.com/office/drawing/2010/main">
-        <mc:Choice Requires="a14">
+      <mc:AlternateContent xmlns:mc="http://schemas.openxmlformats.org/markup-compatibility/2006">
+        <mc:Choice xmlns:a14="http://schemas.microsoft.com/office/drawing/2010/main" Requires="a14">
           <p:sp>
             <p:nvSpPr>
               <p:cNvPr id="3" name="Content Placeholder 2">
@@ -12551,7 +12601,15 @@
                 </a14:m>
                 <a:r>
                   <a:rPr lang="en-GB" dirty="0"/>
-                  <a:t>	// receiver</a:t>
+                  <a:t>	</a:t>
+                </a:r>
+                <a:r>
+                  <a:rPr lang="en-GB" dirty="0">
+                    <a:solidFill>
+                      <a:schemeClr val="accent3"/>
+                    </a:solidFill>
+                  </a:rPr>
+                  <a:t>// receiver</a:t>
                 </a:r>
               </a:p>
               <a:p>
@@ -12645,17 +12703,30 @@
                 </a14:m>
                 <a:r>
                   <a:rPr lang="en-GB" dirty="0"/>
-                  <a:t>	// committer, </a:t>
+                  <a:t>	</a:t>
+                </a:r>
+                <a:r>
+                  <a:rPr lang="en-GB" dirty="0">
+                    <a:solidFill>
+                      <a:schemeClr val="accent3"/>
+                    </a:solidFill>
+                  </a:rPr>
+                  <a:t>// committer, </a:t>
                 </a:r>
                 <a:r>
                   <a:rPr lang="en-GB" i="1" dirty="0">
-                    <a:latin typeface="Cambria Math" panose="02040503050406030204" pitchFamily="18" charset="0"/>
-                    <a:ea typeface="Cambria Math" panose="02040503050406030204" pitchFamily="18" charset="0"/>
+                    <a:solidFill>
+                      <a:schemeClr val="accent3"/>
+                    </a:solidFill>
                   </a:rPr>
                   <a:t>c</a:t>
                 </a:r>
                 <a:r>
-                  <a:rPr lang="en-GB" dirty="0"/>
+                  <a:rPr lang="en-GB" dirty="0">
+                    <a:solidFill>
+                      <a:schemeClr val="accent3"/>
+                    </a:solidFill>
+                  </a:rPr>
                   <a:t>  sent to receiver</a:t>
                 </a:r>
               </a:p>
@@ -12755,23 +12826,37 @@
                 </a14:m>
                 <a:r>
                   <a:rPr lang="en-GB" dirty="0"/>
-                  <a:t>	// receiver, after committer revealed </a:t>
+                  <a:t>	</a:t>
+                </a:r>
+                <a:r>
+                  <a:rPr lang="en-GB" dirty="0">
+                    <a:solidFill>
+                      <a:schemeClr val="accent3"/>
+                    </a:solidFill>
+                  </a:rPr>
+                  <a:t>// receiver, after committer revealed </a:t>
                 </a:r>
                 <a:r>
                   <a:rPr lang="en-GB" i="1" dirty="0">
-                    <a:latin typeface="Cambria Math" panose="02040503050406030204" pitchFamily="18" charset="0"/>
-                    <a:ea typeface="Cambria Math" panose="02040503050406030204" pitchFamily="18" charset="0"/>
+                    <a:solidFill>
+                      <a:schemeClr val="accent3"/>
+                    </a:solidFill>
                   </a:rPr>
                   <a:t>m</a:t>
                 </a:r>
                 <a:r>
-                  <a:rPr lang="en-GB" dirty="0"/>
+                  <a:rPr lang="en-GB" dirty="0">
+                    <a:solidFill>
+                      <a:schemeClr val="accent3"/>
+                    </a:solidFill>
+                  </a:rPr>
                   <a:t> and </a:t>
                 </a:r>
                 <a:r>
                   <a:rPr lang="en-GB" i="1" dirty="0">
-                    <a:latin typeface="Cambria Math" panose="02040503050406030204" pitchFamily="18" charset="0"/>
-                    <a:ea typeface="Cambria Math" panose="02040503050406030204" pitchFamily="18" charset="0"/>
+                    <a:solidFill>
+                      <a:schemeClr val="accent3"/>
+                    </a:solidFill>
                   </a:rPr>
                   <a:t>k</a:t>
                 </a:r>
@@ -12779,7 +12864,7 @@
             </p:txBody>
           </p:sp>
         </mc:Choice>
-        <mc:Fallback xmlns="">
+        <mc:Fallback>
           <p:sp>
             <p:nvSpPr>
               <p:cNvPr id="3" name="Content Placeholder 2">
@@ -14495,6 +14580,41 @@
           </a:p>
         </p:txBody>
       </p:sp>
+      <p:pic>
+        <p:nvPicPr>
+          <p:cNvPr id="6" name="Picture 5">
+            <a:extLst>
+              <a:ext uri="{FF2B5EF4-FFF2-40B4-BE49-F238E27FC236}">
+                <a16:creationId xmlns:a16="http://schemas.microsoft.com/office/drawing/2014/main" id="{EF032015-364A-2340-EBEC-B2D16480C559}"/>
+              </a:ext>
+            </a:extLst>
+          </p:cNvPr>
+          <p:cNvPicPr>
+            <a:picLocks noChangeAspect="1"/>
+          </p:cNvPicPr>
+          <p:nvPr/>
+        </p:nvPicPr>
+        <p:blipFill>
+          <a:blip r:embed="rId2">
+            <a:extLst>
+              <a:ext uri="{28A0092B-C50C-407E-A947-70E740481C1C}">
+                <a14:useLocalDpi xmlns:a14="http://schemas.microsoft.com/office/drawing/2010/main" val="0"/>
+              </a:ext>
+            </a:extLst>
+          </a:blip>
+          <a:srcRect/>
+          <a:stretch/>
+        </p:blipFill>
+        <p:spPr>
+          <a:xfrm>
+            <a:off x="7817970" y="365760"/>
+            <a:ext cx="2862222" cy="2880000"/>
+          </a:xfrm>
+          <a:prstGeom prst="rect">
+            <a:avLst/>
+          </a:prstGeom>
+        </p:spPr>
+      </p:pic>
     </p:spTree>
     <p:extLst>
       <p:ext uri="{BB962C8B-B14F-4D97-AF65-F5344CB8AC3E}">
@@ -14703,6 +14823,3927 @@
     <p:extLst>
       <p:ext uri="{BB962C8B-B14F-4D97-AF65-F5344CB8AC3E}">
         <p14:creationId xmlns:p14="http://schemas.microsoft.com/office/powerpoint/2010/main" val="1693151192"/>
+      </p:ext>
+    </p:extLst>
+  </p:cSld>
+  <p:clrMapOvr>
+    <a:masterClrMapping/>
+  </p:clrMapOvr>
+</p:sld>
+</file>
+
+<file path=ppt/slides/slide42.xml><?xml version="1.0" encoding="utf-8"?>
+<p:sld xmlns:a="http://schemas.openxmlformats.org/drawingml/2006/main" xmlns:r="http://schemas.openxmlformats.org/officeDocument/2006/relationships" xmlns:p="http://schemas.openxmlformats.org/presentationml/2006/main">
+  <p:cSld>
+    <p:spTree>
+      <p:nvGrpSpPr>
+        <p:cNvPr id="1" name=""/>
+        <p:cNvGrpSpPr/>
+        <p:nvPr/>
+      </p:nvGrpSpPr>
+      <p:grpSpPr>
+        <a:xfrm>
+          <a:off x="0" y="0"/>
+          <a:ext cx="0" cy="0"/>
+          <a:chOff x="0" y="0"/>
+          <a:chExt cx="0" cy="0"/>
+        </a:xfrm>
+      </p:grpSpPr>
+      <p:sp>
+        <p:nvSpPr>
+          <p:cNvPr id="2" name="Title 1">
+            <a:extLst>
+              <a:ext uri="{FF2B5EF4-FFF2-40B4-BE49-F238E27FC236}">
+                <a16:creationId xmlns:a16="http://schemas.microsoft.com/office/drawing/2014/main" id="{82BB3D82-5E6D-2AD7-34B1-4366B98EC60C}"/>
+              </a:ext>
+            </a:extLst>
+          </p:cNvPr>
+          <p:cNvSpPr>
+            <a:spLocks noGrp="1"/>
+          </p:cNvSpPr>
+          <p:nvPr>
+            <p:ph type="title"/>
+          </p:nvPr>
+        </p:nvSpPr>
+        <p:spPr/>
+        <p:txBody>
+          <a:bodyPr/>
+          <a:lstStyle/>
+          <a:p>
+            <a:r>
+              <a:rPr lang="en-GB" dirty="0"/>
+              <a:t>Backup Slides</a:t>
+            </a:r>
+          </a:p>
+        </p:txBody>
+      </p:sp>
+      <p:sp>
+        <p:nvSpPr>
+          <p:cNvPr id="3" name="Text Placeholder 2">
+            <a:extLst>
+              <a:ext uri="{FF2B5EF4-FFF2-40B4-BE49-F238E27FC236}">
+                <a16:creationId xmlns:a16="http://schemas.microsoft.com/office/drawing/2014/main" id="{82D5CB09-EEFE-66DF-78E4-49457537FB49}"/>
+              </a:ext>
+            </a:extLst>
+          </p:cNvPr>
+          <p:cNvSpPr>
+            <a:spLocks noGrp="1"/>
+          </p:cNvSpPr>
+          <p:nvPr>
+            <p:ph type="body" idx="1"/>
+          </p:nvPr>
+        </p:nvSpPr>
+        <p:spPr/>
+        <p:txBody>
+          <a:bodyPr/>
+          <a:lstStyle/>
+          <a:p>
+            <a:endParaRPr lang="en-GB"/>
+          </a:p>
+        </p:txBody>
+      </p:sp>
+      <p:sp>
+        <p:nvSpPr>
+          <p:cNvPr id="4" name="Slide Number Placeholder 3">
+            <a:extLst>
+              <a:ext uri="{FF2B5EF4-FFF2-40B4-BE49-F238E27FC236}">
+                <a16:creationId xmlns:a16="http://schemas.microsoft.com/office/drawing/2014/main" id="{C01E2C5B-4D89-1464-BFFA-E2ABE6FE35F5}"/>
+              </a:ext>
+            </a:extLst>
+          </p:cNvPr>
+          <p:cNvSpPr>
+            <a:spLocks noGrp="1"/>
+          </p:cNvSpPr>
+          <p:nvPr>
+            <p:ph type="sldNum" sz="quarter" idx="12"/>
+          </p:nvPr>
+        </p:nvSpPr>
+        <p:spPr/>
+        <p:txBody>
+          <a:bodyPr>
+            <a:normAutofit lnSpcReduction="10000"/>
+          </a:bodyPr>
+          <a:lstStyle/>
+          <a:p>
+            <a:fld id="{05FD7838-569C-4EAB-98FE-B3CDE1C02B93}" type="slidenum">
+              <a:rPr lang="en-GB" smtClean="0"/>
+              <a:t>42</a:t>
+            </a:fld>
+            <a:endParaRPr lang="en-GB"/>
+          </a:p>
+        </p:txBody>
+      </p:sp>
+    </p:spTree>
+    <p:extLst>
+      <p:ext uri="{BB962C8B-B14F-4D97-AF65-F5344CB8AC3E}">
+        <p14:creationId xmlns:p14="http://schemas.microsoft.com/office/powerpoint/2010/main" val="188531536"/>
+      </p:ext>
+    </p:extLst>
+  </p:cSld>
+  <p:clrMapOvr>
+    <a:masterClrMapping/>
+  </p:clrMapOvr>
+</p:sld>
+</file>
+
+<file path=ppt/slides/slide43.xml><?xml version="1.0" encoding="utf-8"?>
+<p:sld xmlns:a="http://schemas.openxmlformats.org/drawingml/2006/main" xmlns:r="http://schemas.openxmlformats.org/officeDocument/2006/relationships" xmlns:p="http://schemas.openxmlformats.org/presentationml/2006/main">
+  <p:cSld>
+    <p:spTree>
+      <p:nvGrpSpPr>
+        <p:cNvPr id="1" name=""/>
+        <p:cNvGrpSpPr/>
+        <p:nvPr/>
+      </p:nvGrpSpPr>
+      <p:grpSpPr>
+        <a:xfrm>
+          <a:off x="0" y="0"/>
+          <a:ext cx="0" cy="0"/>
+          <a:chOff x="0" y="0"/>
+          <a:chExt cx="0" cy="0"/>
+        </a:xfrm>
+      </p:grpSpPr>
+      <p:sp>
+        <p:nvSpPr>
+          <p:cNvPr id="2" name="Title 1">
+            <a:extLst>
+              <a:ext uri="{FF2B5EF4-FFF2-40B4-BE49-F238E27FC236}">
+                <a16:creationId xmlns:a16="http://schemas.microsoft.com/office/drawing/2014/main" id="{5A675F6B-C96B-ECD9-79D4-907D023D3D36}"/>
+              </a:ext>
+            </a:extLst>
+          </p:cNvPr>
+          <p:cNvSpPr>
+            <a:spLocks noGrp="1"/>
+          </p:cNvSpPr>
+          <p:nvPr>
+            <p:ph type="title"/>
+          </p:nvPr>
+        </p:nvSpPr>
+        <p:spPr/>
+        <p:txBody>
+          <a:bodyPr/>
+          <a:lstStyle/>
+          <a:p>
+            <a:r>
+              <a:rPr lang="en-GB" dirty="0"/>
+              <a:t>RSA Blind Signature: Correctness</a:t>
+            </a:r>
+          </a:p>
+        </p:txBody>
+      </p:sp>
+      <mc:AlternateContent xmlns:mc="http://schemas.openxmlformats.org/markup-compatibility/2006">
+        <mc:Choice xmlns:a14="http://schemas.microsoft.com/office/drawing/2010/main" Requires="a14">
+          <p:sp>
+            <p:nvSpPr>
+              <p:cNvPr id="3" name="Content Placeholder 2">
+                <a:extLst>
+                  <a:ext uri="{FF2B5EF4-FFF2-40B4-BE49-F238E27FC236}">
+                    <a16:creationId xmlns:a16="http://schemas.microsoft.com/office/drawing/2014/main" id="{26A75551-6E14-07CD-2600-C21BE4D85B8E}"/>
+                  </a:ext>
+                </a:extLst>
+              </p:cNvPr>
+              <p:cNvSpPr>
+                <a:spLocks noGrp="1"/>
+              </p:cNvSpPr>
+              <p:nvPr>
+                <p:ph idx="1"/>
+              </p:nvPr>
+            </p:nvSpPr>
+            <p:spPr/>
+            <p:txBody>
+              <a:bodyPr>
+                <a:normAutofit lnSpcReduction="10000"/>
+              </a:bodyPr>
+              <a:lstStyle/>
+              <a:p>
+                <a14:m>
+                  <m:oMath xmlns:m="http://schemas.openxmlformats.org/officeDocument/2006/math">
+                    <m:acc>
+                      <m:accPr>
+                        <m:chr m:val="̃"/>
+                        <m:ctrlPr>
+                          <a:rPr lang="en-GB" i="1" smtClean="0">
+                            <a:latin typeface="Cambria Math" panose="02040503050406030204" pitchFamily="18" charset="0"/>
+                          </a:rPr>
+                        </m:ctrlPr>
+                      </m:accPr>
+                      <m:e>
+                        <m:r>
+                          <a:rPr lang="en-GB" b="0" i="1" smtClean="0">
+                            <a:latin typeface="Cambria Math" panose="02040503050406030204" pitchFamily="18" charset="0"/>
+                          </a:rPr>
+                          <m:t>𝑚</m:t>
+                        </m:r>
+                      </m:e>
+                    </m:acc>
+                    <m:r>
+                      <a:rPr lang="en-GB" b="0" i="1" smtClean="0">
+                        <a:latin typeface="Cambria Math" panose="02040503050406030204" pitchFamily="18" charset="0"/>
+                      </a:rPr>
+                      <m:t>≔</m:t>
+                    </m:r>
+                    <m:r>
+                      <a:rPr lang="en-GB" b="0" i="1" smtClean="0">
+                        <a:latin typeface="Cambria Math" panose="02040503050406030204" pitchFamily="18" charset="0"/>
+                      </a:rPr>
+                      <m:t>𝐻</m:t>
+                    </m:r>
+                    <m:d>
+                      <m:dPr>
+                        <m:ctrlPr>
+                          <a:rPr lang="en-GB" b="0" i="1" smtClean="0">
+                            <a:latin typeface="Cambria Math" panose="02040503050406030204" pitchFamily="18" charset="0"/>
+                          </a:rPr>
+                        </m:ctrlPr>
+                      </m:dPr>
+                      <m:e>
+                        <m:r>
+                          <a:rPr lang="en-GB" b="0" i="1" smtClean="0">
+                            <a:latin typeface="Cambria Math" panose="02040503050406030204" pitchFamily="18" charset="0"/>
+                          </a:rPr>
+                          <m:t>𝑚</m:t>
+                        </m:r>
+                      </m:e>
+                    </m:d>
+                    <m:r>
+                      <a:rPr lang="en-GB" b="0" i="1" smtClean="0">
+                        <a:latin typeface="Cambria Math" panose="02040503050406030204" pitchFamily="18" charset="0"/>
+                        <a:ea typeface="Cambria Math" panose="02040503050406030204" pitchFamily="18" charset="0"/>
+                      </a:rPr>
+                      <m:t>∙</m:t>
+                    </m:r>
+                    <m:sSup>
+                      <m:sSupPr>
+                        <m:ctrlPr>
+                          <a:rPr lang="en-GB" b="0" i="1" smtClean="0">
+                            <a:latin typeface="Cambria Math" panose="02040503050406030204" pitchFamily="18" charset="0"/>
+                            <a:ea typeface="Cambria Math" panose="02040503050406030204" pitchFamily="18" charset="0"/>
+                          </a:rPr>
+                        </m:ctrlPr>
+                      </m:sSupPr>
+                      <m:e>
+                        <m:r>
+                          <a:rPr lang="en-GB" b="0" i="1" smtClean="0">
+                            <a:latin typeface="Cambria Math" panose="02040503050406030204" pitchFamily="18" charset="0"/>
+                            <a:ea typeface="Cambria Math" panose="02040503050406030204" pitchFamily="18" charset="0"/>
+                          </a:rPr>
+                          <m:t>𝑢</m:t>
+                        </m:r>
+                      </m:e>
+                      <m:sup>
+                        <m:r>
+                          <a:rPr lang="en-GB" b="0" i="1" smtClean="0">
+                            <a:latin typeface="Cambria Math" panose="02040503050406030204" pitchFamily="18" charset="0"/>
+                            <a:ea typeface="Cambria Math" panose="02040503050406030204" pitchFamily="18" charset="0"/>
+                          </a:rPr>
+                          <m:t>𝑒</m:t>
+                        </m:r>
+                      </m:sup>
+                    </m:sSup>
+                  </m:oMath>
+                </a14:m>
+                <a:endParaRPr lang="en-GB" b="0" dirty="0">
+                  <a:ea typeface="Cambria Math" panose="02040503050406030204" pitchFamily="18" charset="0"/>
+                </a:endParaRPr>
+              </a:p>
+              <a:p>
+                <a14:m>
+                  <m:oMath xmlns:m="http://schemas.openxmlformats.org/officeDocument/2006/math">
+                    <m:acc>
+                      <m:accPr>
+                        <m:chr m:val="̃"/>
+                        <m:ctrlPr>
+                          <a:rPr lang="en-GB" b="0" i="1" smtClean="0">
+                            <a:latin typeface="Cambria Math" panose="02040503050406030204" pitchFamily="18" charset="0"/>
+                            <a:ea typeface="Cambria Math" panose="02040503050406030204" pitchFamily="18" charset="0"/>
+                          </a:rPr>
+                        </m:ctrlPr>
+                      </m:accPr>
+                      <m:e>
+                        <m:r>
+                          <a:rPr lang="en-GB" b="0" i="1" smtClean="0">
+                            <a:latin typeface="Cambria Math" panose="02040503050406030204" pitchFamily="18" charset="0"/>
+                            <a:ea typeface="Cambria Math" panose="02040503050406030204" pitchFamily="18" charset="0"/>
+                          </a:rPr>
+                          <m:t>𝜎</m:t>
+                        </m:r>
+                      </m:e>
+                    </m:acc>
+                    <m:r>
+                      <a:rPr lang="en-GB" b="0" i="1" smtClean="0">
+                        <a:latin typeface="Cambria Math" panose="02040503050406030204" pitchFamily="18" charset="0"/>
+                        <a:ea typeface="Cambria Math" panose="02040503050406030204" pitchFamily="18" charset="0"/>
+                      </a:rPr>
+                      <m:t> ≔</m:t>
+                    </m:r>
+                    <m:sSup>
+                      <m:sSupPr>
+                        <m:ctrlPr>
+                          <a:rPr lang="en-GB" b="0" i="1" smtClean="0">
+                            <a:latin typeface="Cambria Math" panose="02040503050406030204" pitchFamily="18" charset="0"/>
+                            <a:ea typeface="Cambria Math" panose="02040503050406030204" pitchFamily="18" charset="0"/>
+                          </a:rPr>
+                        </m:ctrlPr>
+                      </m:sSupPr>
+                      <m:e>
+                        <m:acc>
+                          <m:accPr>
+                            <m:chr m:val="̃"/>
+                            <m:ctrlPr>
+                              <a:rPr lang="en-GB" b="0" i="1" smtClean="0">
+                                <a:latin typeface="Cambria Math" panose="02040503050406030204" pitchFamily="18" charset="0"/>
+                                <a:ea typeface="Cambria Math" panose="02040503050406030204" pitchFamily="18" charset="0"/>
+                              </a:rPr>
+                            </m:ctrlPr>
+                          </m:accPr>
+                          <m:e>
+                            <m:r>
+                              <a:rPr lang="en-GB" b="0" i="1" smtClean="0">
+                                <a:latin typeface="Cambria Math" panose="02040503050406030204" pitchFamily="18" charset="0"/>
+                                <a:ea typeface="Cambria Math" panose="02040503050406030204" pitchFamily="18" charset="0"/>
+                              </a:rPr>
+                              <m:t>𝑚</m:t>
+                            </m:r>
+                          </m:e>
+                        </m:acc>
+                      </m:e>
+                      <m:sup>
+                        <m:r>
+                          <a:rPr lang="en-GB" b="0" i="1" smtClean="0">
+                            <a:latin typeface="Cambria Math" panose="02040503050406030204" pitchFamily="18" charset="0"/>
+                            <a:ea typeface="Cambria Math" panose="02040503050406030204" pitchFamily="18" charset="0"/>
+                          </a:rPr>
+                          <m:t>𝑑</m:t>
+                        </m:r>
+                      </m:sup>
+                    </m:sSup>
+                    <m:d>
+                      <m:dPr>
+                        <m:ctrlPr>
+                          <a:rPr lang="en-GB" i="1">
+                            <a:latin typeface="Cambria Math" panose="02040503050406030204" pitchFamily="18" charset="0"/>
+                            <a:ea typeface="Cambria Math" panose="02040503050406030204" pitchFamily="18" charset="0"/>
+                          </a:rPr>
+                        </m:ctrlPr>
+                      </m:dPr>
+                      <m:e>
+                        <m:r>
+                          <m:rPr>
+                            <m:nor/>
+                          </m:rPr>
+                          <a:rPr lang="en-GB">
+                            <a:latin typeface="Cambria Math" panose="02040503050406030204" pitchFamily="18" charset="0"/>
+                            <a:ea typeface="Cambria Math" panose="02040503050406030204" pitchFamily="18" charset="0"/>
+                          </a:rPr>
+                          <m:t>mod</m:t>
+                        </m:r>
+                        <m:r>
+                          <a:rPr lang="en-GB" i="1">
+                            <a:latin typeface="Cambria Math" panose="02040503050406030204" pitchFamily="18" charset="0"/>
+                            <a:ea typeface="Cambria Math" panose="02040503050406030204" pitchFamily="18" charset="0"/>
+                          </a:rPr>
+                          <m:t> </m:t>
+                        </m:r>
+                        <m:r>
+                          <a:rPr lang="en-GB" i="1">
+                            <a:latin typeface="Cambria Math" panose="02040503050406030204" pitchFamily="18" charset="0"/>
+                            <a:ea typeface="Cambria Math" panose="02040503050406030204" pitchFamily="18" charset="0"/>
+                          </a:rPr>
+                          <m:t>𝑁</m:t>
+                        </m:r>
+                      </m:e>
+                    </m:d>
+                    <m:r>
+                      <a:rPr lang="en-GB" b="0" i="1" smtClean="0">
+                        <a:latin typeface="Cambria Math" panose="02040503050406030204" pitchFamily="18" charset="0"/>
+                        <a:ea typeface="Cambria Math" panose="02040503050406030204" pitchFamily="18" charset="0"/>
+                      </a:rPr>
+                      <m:t>=</m:t>
+                    </m:r>
+                    <m:sSup>
+                      <m:sSupPr>
+                        <m:ctrlPr>
+                          <a:rPr lang="en-GB" b="0" i="1" smtClean="0">
+                            <a:latin typeface="Cambria Math" panose="02040503050406030204" pitchFamily="18" charset="0"/>
+                            <a:ea typeface="Cambria Math" panose="02040503050406030204" pitchFamily="18" charset="0"/>
+                          </a:rPr>
+                        </m:ctrlPr>
+                      </m:sSupPr>
+                      <m:e>
+                        <m:d>
+                          <m:dPr>
+                            <m:ctrlPr>
+                              <a:rPr lang="en-GB" b="0" i="1" smtClean="0">
+                                <a:latin typeface="Cambria Math" panose="02040503050406030204" pitchFamily="18" charset="0"/>
+                                <a:ea typeface="Cambria Math" panose="02040503050406030204" pitchFamily="18" charset="0"/>
+                              </a:rPr>
+                            </m:ctrlPr>
+                          </m:dPr>
+                          <m:e>
+                            <m:r>
+                              <a:rPr lang="en-GB" i="1">
+                                <a:latin typeface="Cambria Math" panose="02040503050406030204" pitchFamily="18" charset="0"/>
+                              </a:rPr>
+                              <m:t>𝐻</m:t>
+                            </m:r>
+                            <m:d>
+                              <m:dPr>
+                                <m:ctrlPr>
+                                  <a:rPr lang="en-GB" i="1">
+                                    <a:latin typeface="Cambria Math" panose="02040503050406030204" pitchFamily="18" charset="0"/>
+                                  </a:rPr>
+                                </m:ctrlPr>
+                              </m:dPr>
+                              <m:e>
+                                <m:r>
+                                  <a:rPr lang="en-GB" i="1">
+                                    <a:latin typeface="Cambria Math" panose="02040503050406030204" pitchFamily="18" charset="0"/>
+                                  </a:rPr>
+                                  <m:t>𝑚</m:t>
+                                </m:r>
+                              </m:e>
+                            </m:d>
+                            <m:r>
+                              <a:rPr lang="en-GB" i="1">
+                                <a:latin typeface="Cambria Math" panose="02040503050406030204" pitchFamily="18" charset="0"/>
+                                <a:ea typeface="Cambria Math" panose="02040503050406030204" pitchFamily="18" charset="0"/>
+                              </a:rPr>
+                              <m:t>∙</m:t>
+                            </m:r>
+                            <m:sSup>
+                              <m:sSupPr>
+                                <m:ctrlPr>
+                                  <a:rPr lang="en-GB" i="1">
+                                    <a:latin typeface="Cambria Math" panose="02040503050406030204" pitchFamily="18" charset="0"/>
+                                    <a:ea typeface="Cambria Math" panose="02040503050406030204" pitchFamily="18" charset="0"/>
+                                  </a:rPr>
+                                </m:ctrlPr>
+                              </m:sSupPr>
+                              <m:e>
+                                <m:r>
+                                  <a:rPr lang="en-GB" b="0" i="1" smtClean="0">
+                                    <a:latin typeface="Cambria Math" panose="02040503050406030204" pitchFamily="18" charset="0"/>
+                                    <a:ea typeface="Cambria Math" panose="02040503050406030204" pitchFamily="18" charset="0"/>
+                                  </a:rPr>
+                                  <m:t>𝑢</m:t>
+                                </m:r>
+                              </m:e>
+                              <m:sup>
+                                <m:r>
+                                  <a:rPr lang="en-GB" i="1">
+                                    <a:latin typeface="Cambria Math" panose="02040503050406030204" pitchFamily="18" charset="0"/>
+                                    <a:ea typeface="Cambria Math" panose="02040503050406030204" pitchFamily="18" charset="0"/>
+                                  </a:rPr>
+                                  <m:t>𝑒</m:t>
+                                </m:r>
+                              </m:sup>
+                            </m:sSup>
+                          </m:e>
+                        </m:d>
+                      </m:e>
+                      <m:sup>
+                        <m:r>
+                          <a:rPr lang="en-GB" b="0" i="1" smtClean="0">
+                            <a:latin typeface="Cambria Math" panose="02040503050406030204" pitchFamily="18" charset="0"/>
+                            <a:ea typeface="Cambria Math" panose="02040503050406030204" pitchFamily="18" charset="0"/>
+                          </a:rPr>
+                          <m:t>𝑑</m:t>
+                        </m:r>
+                      </m:sup>
+                    </m:sSup>
+                  </m:oMath>
+                </a14:m>
+                <a:endParaRPr lang="en-GB" b="0" dirty="0">
+                  <a:ea typeface="Cambria Math" panose="02040503050406030204" pitchFamily="18" charset="0"/>
+                </a:endParaRPr>
+              </a:p>
+              <a:p>
+                <a14:m>
+                  <m:oMath xmlns:m="http://schemas.openxmlformats.org/officeDocument/2006/math">
+                    <m:r>
+                      <a:rPr lang="en-GB" i="1" smtClean="0">
+                        <a:latin typeface="Cambria Math" panose="02040503050406030204" pitchFamily="18" charset="0"/>
+                        <a:ea typeface="Cambria Math" panose="02040503050406030204" pitchFamily="18" charset="0"/>
+                      </a:rPr>
+                      <m:t>𝜎</m:t>
+                    </m:r>
+                    <m:r>
+                      <a:rPr lang="en-GB" b="0" i="1" smtClean="0">
+                        <a:latin typeface="Cambria Math" panose="02040503050406030204" pitchFamily="18" charset="0"/>
+                        <a:ea typeface="Cambria Math" panose="02040503050406030204" pitchFamily="18" charset="0"/>
+                      </a:rPr>
+                      <m:t> ≔</m:t>
+                    </m:r>
+                    <m:acc>
+                      <m:accPr>
+                        <m:chr m:val="̃"/>
+                        <m:ctrlPr>
+                          <a:rPr lang="en-GB" i="1">
+                            <a:latin typeface="Cambria Math" panose="02040503050406030204" pitchFamily="18" charset="0"/>
+                            <a:ea typeface="Cambria Math" panose="02040503050406030204" pitchFamily="18" charset="0"/>
+                          </a:rPr>
+                        </m:ctrlPr>
+                      </m:accPr>
+                      <m:e>
+                        <m:r>
+                          <a:rPr lang="en-GB" i="1">
+                            <a:latin typeface="Cambria Math" panose="02040503050406030204" pitchFamily="18" charset="0"/>
+                            <a:ea typeface="Cambria Math" panose="02040503050406030204" pitchFamily="18" charset="0"/>
+                          </a:rPr>
+                          <m:t>𝜎</m:t>
+                        </m:r>
+                      </m:e>
+                    </m:acc>
+                    <m:r>
+                      <a:rPr lang="en-GB" i="1" smtClean="0">
+                        <a:latin typeface="Cambria Math" panose="02040503050406030204" pitchFamily="18" charset="0"/>
+                        <a:ea typeface="Cambria Math" panose="02040503050406030204" pitchFamily="18" charset="0"/>
+                      </a:rPr>
+                      <m:t>∙</m:t>
+                    </m:r>
+                    <m:sSup>
+                      <m:sSupPr>
+                        <m:ctrlPr>
+                          <a:rPr lang="en-GB" b="0" i="1" smtClean="0">
+                            <a:latin typeface="Cambria Math" panose="02040503050406030204" pitchFamily="18" charset="0"/>
+                            <a:ea typeface="Cambria Math" panose="02040503050406030204" pitchFamily="18" charset="0"/>
+                          </a:rPr>
+                        </m:ctrlPr>
+                      </m:sSupPr>
+                      <m:e>
+                        <m:r>
+                          <a:rPr lang="en-GB" b="0" i="1" smtClean="0">
+                            <a:latin typeface="Cambria Math" panose="02040503050406030204" pitchFamily="18" charset="0"/>
+                            <a:ea typeface="Cambria Math" panose="02040503050406030204" pitchFamily="18" charset="0"/>
+                          </a:rPr>
+                          <m:t>𝑢</m:t>
+                        </m:r>
+                      </m:e>
+                      <m:sup>
+                        <m:r>
+                          <a:rPr lang="en-GB" b="0" i="1" smtClean="0">
+                            <a:latin typeface="Cambria Math" panose="02040503050406030204" pitchFamily="18" charset="0"/>
+                            <a:ea typeface="Cambria Math" panose="02040503050406030204" pitchFamily="18" charset="0"/>
+                          </a:rPr>
+                          <m:t>−1</m:t>
+                        </m:r>
+                      </m:sup>
+                    </m:sSup>
+                    <m:r>
+                      <a:rPr lang="en-GB" b="0" i="1" smtClean="0">
+                        <a:latin typeface="Cambria Math" panose="02040503050406030204" pitchFamily="18" charset="0"/>
+                        <a:ea typeface="Cambria Math" panose="02040503050406030204" pitchFamily="18" charset="0"/>
+                      </a:rPr>
+                      <m:t>=</m:t>
+                    </m:r>
+                  </m:oMath>
+                </a14:m>
+                <a:r>
+                  <a:rPr lang="en-GB" dirty="0">
+                    <a:ea typeface="Cambria Math" panose="02040503050406030204" pitchFamily="18" charset="0"/>
+                  </a:rPr>
+                  <a:t> </a:t>
+                </a:r>
+                <a14:m>
+                  <m:oMath xmlns:m="http://schemas.openxmlformats.org/officeDocument/2006/math">
+                    <m:sSup>
+                      <m:sSupPr>
+                        <m:ctrlPr>
+                          <a:rPr lang="en-GB" i="1">
+                            <a:latin typeface="Cambria Math" panose="02040503050406030204" pitchFamily="18" charset="0"/>
+                            <a:ea typeface="Cambria Math" panose="02040503050406030204" pitchFamily="18" charset="0"/>
+                          </a:rPr>
+                        </m:ctrlPr>
+                      </m:sSupPr>
+                      <m:e>
+                        <m:d>
+                          <m:dPr>
+                            <m:ctrlPr>
+                              <a:rPr lang="en-GB" i="1">
+                                <a:latin typeface="Cambria Math" panose="02040503050406030204" pitchFamily="18" charset="0"/>
+                                <a:ea typeface="Cambria Math" panose="02040503050406030204" pitchFamily="18" charset="0"/>
+                              </a:rPr>
+                            </m:ctrlPr>
+                          </m:dPr>
+                          <m:e>
+                            <m:r>
+                              <a:rPr lang="en-GB" i="1">
+                                <a:latin typeface="Cambria Math" panose="02040503050406030204" pitchFamily="18" charset="0"/>
+                              </a:rPr>
+                              <m:t>𝐻</m:t>
+                            </m:r>
+                            <m:d>
+                              <m:dPr>
+                                <m:ctrlPr>
+                                  <a:rPr lang="en-GB" i="1">
+                                    <a:latin typeface="Cambria Math" panose="02040503050406030204" pitchFamily="18" charset="0"/>
+                                  </a:rPr>
+                                </m:ctrlPr>
+                              </m:dPr>
+                              <m:e>
+                                <m:r>
+                                  <a:rPr lang="en-GB" i="1">
+                                    <a:latin typeface="Cambria Math" panose="02040503050406030204" pitchFamily="18" charset="0"/>
+                                  </a:rPr>
+                                  <m:t>𝑚</m:t>
+                                </m:r>
+                              </m:e>
+                            </m:d>
+                            <m:r>
+                              <a:rPr lang="en-GB" i="1">
+                                <a:latin typeface="Cambria Math" panose="02040503050406030204" pitchFamily="18" charset="0"/>
+                                <a:ea typeface="Cambria Math" panose="02040503050406030204" pitchFamily="18" charset="0"/>
+                              </a:rPr>
+                              <m:t>∙</m:t>
+                            </m:r>
+                            <m:sSup>
+                              <m:sSupPr>
+                                <m:ctrlPr>
+                                  <a:rPr lang="en-GB" i="1">
+                                    <a:latin typeface="Cambria Math" panose="02040503050406030204" pitchFamily="18" charset="0"/>
+                                    <a:ea typeface="Cambria Math" panose="02040503050406030204" pitchFamily="18" charset="0"/>
+                                  </a:rPr>
+                                </m:ctrlPr>
+                              </m:sSupPr>
+                              <m:e>
+                                <m:r>
+                                  <a:rPr lang="en-GB" i="1">
+                                    <a:latin typeface="Cambria Math" panose="02040503050406030204" pitchFamily="18" charset="0"/>
+                                    <a:ea typeface="Cambria Math" panose="02040503050406030204" pitchFamily="18" charset="0"/>
+                                  </a:rPr>
+                                  <m:t>𝑢</m:t>
+                                </m:r>
+                              </m:e>
+                              <m:sup>
+                                <m:r>
+                                  <a:rPr lang="en-GB" i="1">
+                                    <a:latin typeface="Cambria Math" panose="02040503050406030204" pitchFamily="18" charset="0"/>
+                                    <a:ea typeface="Cambria Math" panose="02040503050406030204" pitchFamily="18" charset="0"/>
+                                  </a:rPr>
+                                  <m:t>𝑒</m:t>
+                                </m:r>
+                              </m:sup>
+                            </m:sSup>
+                          </m:e>
+                        </m:d>
+                      </m:e>
+                      <m:sup>
+                        <m:r>
+                          <a:rPr lang="en-GB" i="1">
+                            <a:latin typeface="Cambria Math" panose="02040503050406030204" pitchFamily="18" charset="0"/>
+                            <a:ea typeface="Cambria Math" panose="02040503050406030204" pitchFamily="18" charset="0"/>
+                          </a:rPr>
+                          <m:t>𝑑</m:t>
+                        </m:r>
+                      </m:sup>
+                    </m:sSup>
+                    <m:r>
+                      <a:rPr lang="en-GB" i="1">
+                        <a:latin typeface="Cambria Math" panose="02040503050406030204" pitchFamily="18" charset="0"/>
+                        <a:ea typeface="Cambria Math" panose="02040503050406030204" pitchFamily="18" charset="0"/>
+                      </a:rPr>
+                      <m:t>∙</m:t>
+                    </m:r>
+                    <m:sSup>
+                      <m:sSupPr>
+                        <m:ctrlPr>
+                          <a:rPr lang="en-GB" i="1">
+                            <a:latin typeface="Cambria Math" panose="02040503050406030204" pitchFamily="18" charset="0"/>
+                            <a:ea typeface="Cambria Math" panose="02040503050406030204" pitchFamily="18" charset="0"/>
+                          </a:rPr>
+                        </m:ctrlPr>
+                      </m:sSupPr>
+                      <m:e>
+                        <m:r>
+                          <a:rPr lang="en-GB" i="1">
+                            <a:latin typeface="Cambria Math" panose="02040503050406030204" pitchFamily="18" charset="0"/>
+                            <a:ea typeface="Cambria Math" panose="02040503050406030204" pitchFamily="18" charset="0"/>
+                          </a:rPr>
+                          <m:t>𝑢</m:t>
+                        </m:r>
+                      </m:e>
+                      <m:sup>
+                        <m:r>
+                          <a:rPr lang="en-GB" i="1">
+                            <a:latin typeface="Cambria Math" panose="02040503050406030204" pitchFamily="18" charset="0"/>
+                            <a:ea typeface="Cambria Math" panose="02040503050406030204" pitchFamily="18" charset="0"/>
+                          </a:rPr>
+                          <m:t>−1</m:t>
+                        </m:r>
+                      </m:sup>
+                    </m:sSup>
+                  </m:oMath>
+                </a14:m>
+                <a:endParaRPr lang="en-GB" dirty="0"/>
+              </a:p>
+              <a:p>
+                <a:r>
+                  <a:rPr lang="en-GB" dirty="0"/>
+                  <a:t>Verify: </a:t>
+                </a:r>
+                <a14:m>
+                  <m:oMath xmlns:m="http://schemas.openxmlformats.org/officeDocument/2006/math">
+                    <m:sSup>
+                      <m:sSupPr>
+                        <m:ctrlPr>
+                          <a:rPr lang="en-GB" b="0" i="1" smtClean="0">
+                            <a:latin typeface="Cambria Math" panose="02040503050406030204" pitchFamily="18" charset="0"/>
+                            <a:ea typeface="Cambria Math" panose="02040503050406030204" pitchFamily="18" charset="0"/>
+                          </a:rPr>
+                        </m:ctrlPr>
+                      </m:sSupPr>
+                      <m:e>
+                        <m:r>
+                          <a:rPr lang="en-GB" i="1" smtClean="0">
+                            <a:latin typeface="Cambria Math" panose="02040503050406030204" pitchFamily="18" charset="0"/>
+                            <a:ea typeface="Cambria Math" panose="02040503050406030204" pitchFamily="18" charset="0"/>
+                          </a:rPr>
+                          <m:t>𝜎</m:t>
+                        </m:r>
+                      </m:e>
+                      <m:sup>
+                        <m:r>
+                          <a:rPr lang="en-GB" b="0" i="1" smtClean="0">
+                            <a:latin typeface="Cambria Math" panose="02040503050406030204" pitchFamily="18" charset="0"/>
+                            <a:ea typeface="Cambria Math" panose="02040503050406030204" pitchFamily="18" charset="0"/>
+                          </a:rPr>
+                          <m:t>𝑒</m:t>
+                        </m:r>
+                      </m:sup>
+                    </m:sSup>
+                    <m:r>
+                      <a:rPr lang="en-GB" b="0" i="1" smtClean="0">
+                        <a:latin typeface="Cambria Math" panose="02040503050406030204" pitchFamily="18" charset="0"/>
+                        <a:ea typeface="Cambria Math" panose="02040503050406030204" pitchFamily="18" charset="0"/>
+                      </a:rPr>
+                      <m:t>=</m:t>
+                    </m:r>
+                    <m:sSup>
+                      <m:sSupPr>
+                        <m:ctrlPr>
+                          <a:rPr lang="en-GB" b="0" i="1" smtClean="0">
+                            <a:latin typeface="Cambria Math" panose="02040503050406030204" pitchFamily="18" charset="0"/>
+                            <a:ea typeface="Cambria Math" panose="02040503050406030204" pitchFamily="18" charset="0"/>
+                          </a:rPr>
+                        </m:ctrlPr>
+                      </m:sSupPr>
+                      <m:e>
+                        <m:d>
+                          <m:dPr>
+                            <m:ctrlPr>
+                              <a:rPr lang="en-GB" b="0" i="1" smtClean="0">
+                                <a:latin typeface="Cambria Math" panose="02040503050406030204" pitchFamily="18" charset="0"/>
+                                <a:ea typeface="Cambria Math" panose="02040503050406030204" pitchFamily="18" charset="0"/>
+                              </a:rPr>
+                            </m:ctrlPr>
+                          </m:dPr>
+                          <m:e>
+                            <m:sSup>
+                              <m:sSupPr>
+                                <m:ctrlPr>
+                                  <a:rPr lang="en-GB" i="1">
+                                    <a:latin typeface="Cambria Math" panose="02040503050406030204" pitchFamily="18" charset="0"/>
+                                    <a:ea typeface="Cambria Math" panose="02040503050406030204" pitchFamily="18" charset="0"/>
+                                  </a:rPr>
+                                </m:ctrlPr>
+                              </m:sSupPr>
+                              <m:e>
+                                <m:d>
+                                  <m:dPr>
+                                    <m:ctrlPr>
+                                      <a:rPr lang="en-GB" i="1">
+                                        <a:latin typeface="Cambria Math" panose="02040503050406030204" pitchFamily="18" charset="0"/>
+                                        <a:ea typeface="Cambria Math" panose="02040503050406030204" pitchFamily="18" charset="0"/>
+                                      </a:rPr>
+                                    </m:ctrlPr>
+                                  </m:dPr>
+                                  <m:e>
+                                    <m:r>
+                                      <a:rPr lang="en-GB" i="1">
+                                        <a:latin typeface="Cambria Math" panose="02040503050406030204" pitchFamily="18" charset="0"/>
+                                      </a:rPr>
+                                      <m:t>𝐻</m:t>
+                                    </m:r>
+                                    <m:d>
+                                      <m:dPr>
+                                        <m:ctrlPr>
+                                          <a:rPr lang="en-GB" i="1">
+                                            <a:latin typeface="Cambria Math" panose="02040503050406030204" pitchFamily="18" charset="0"/>
+                                          </a:rPr>
+                                        </m:ctrlPr>
+                                      </m:dPr>
+                                      <m:e>
+                                        <m:r>
+                                          <a:rPr lang="en-GB" i="1">
+                                            <a:latin typeface="Cambria Math" panose="02040503050406030204" pitchFamily="18" charset="0"/>
+                                          </a:rPr>
+                                          <m:t>𝑚</m:t>
+                                        </m:r>
+                                      </m:e>
+                                    </m:d>
+                                    <m:r>
+                                      <a:rPr lang="en-GB" i="1">
+                                        <a:latin typeface="Cambria Math" panose="02040503050406030204" pitchFamily="18" charset="0"/>
+                                        <a:ea typeface="Cambria Math" panose="02040503050406030204" pitchFamily="18" charset="0"/>
+                                      </a:rPr>
+                                      <m:t>∙</m:t>
+                                    </m:r>
+                                    <m:sSup>
+                                      <m:sSupPr>
+                                        <m:ctrlPr>
+                                          <a:rPr lang="en-GB" i="1">
+                                            <a:latin typeface="Cambria Math" panose="02040503050406030204" pitchFamily="18" charset="0"/>
+                                            <a:ea typeface="Cambria Math" panose="02040503050406030204" pitchFamily="18" charset="0"/>
+                                          </a:rPr>
+                                        </m:ctrlPr>
+                                      </m:sSupPr>
+                                      <m:e>
+                                        <m:r>
+                                          <a:rPr lang="en-GB" i="1">
+                                            <a:latin typeface="Cambria Math" panose="02040503050406030204" pitchFamily="18" charset="0"/>
+                                            <a:ea typeface="Cambria Math" panose="02040503050406030204" pitchFamily="18" charset="0"/>
+                                          </a:rPr>
+                                          <m:t>𝑢</m:t>
+                                        </m:r>
+                                      </m:e>
+                                      <m:sup>
+                                        <m:r>
+                                          <a:rPr lang="en-GB" i="1">
+                                            <a:latin typeface="Cambria Math" panose="02040503050406030204" pitchFamily="18" charset="0"/>
+                                            <a:ea typeface="Cambria Math" panose="02040503050406030204" pitchFamily="18" charset="0"/>
+                                          </a:rPr>
+                                          <m:t>𝑒</m:t>
+                                        </m:r>
+                                      </m:sup>
+                                    </m:sSup>
+                                  </m:e>
+                                </m:d>
+                              </m:e>
+                              <m:sup>
+                                <m:r>
+                                  <a:rPr lang="en-GB" i="1">
+                                    <a:latin typeface="Cambria Math" panose="02040503050406030204" pitchFamily="18" charset="0"/>
+                                    <a:ea typeface="Cambria Math" panose="02040503050406030204" pitchFamily="18" charset="0"/>
+                                  </a:rPr>
+                                  <m:t>𝑑</m:t>
+                                </m:r>
+                              </m:sup>
+                            </m:sSup>
+                            <m:r>
+                              <a:rPr lang="en-GB" i="1">
+                                <a:latin typeface="Cambria Math" panose="02040503050406030204" pitchFamily="18" charset="0"/>
+                                <a:ea typeface="Cambria Math" panose="02040503050406030204" pitchFamily="18" charset="0"/>
+                              </a:rPr>
+                              <m:t>∙</m:t>
+                            </m:r>
+                            <m:sSup>
+                              <m:sSupPr>
+                                <m:ctrlPr>
+                                  <a:rPr lang="en-GB" i="1">
+                                    <a:latin typeface="Cambria Math" panose="02040503050406030204" pitchFamily="18" charset="0"/>
+                                    <a:ea typeface="Cambria Math" panose="02040503050406030204" pitchFamily="18" charset="0"/>
+                                  </a:rPr>
+                                </m:ctrlPr>
+                              </m:sSupPr>
+                              <m:e>
+                                <m:r>
+                                  <a:rPr lang="en-GB" i="1">
+                                    <a:latin typeface="Cambria Math" panose="02040503050406030204" pitchFamily="18" charset="0"/>
+                                    <a:ea typeface="Cambria Math" panose="02040503050406030204" pitchFamily="18" charset="0"/>
+                                  </a:rPr>
+                                  <m:t>𝑢</m:t>
+                                </m:r>
+                              </m:e>
+                              <m:sup>
+                                <m:r>
+                                  <a:rPr lang="en-GB" i="1">
+                                    <a:latin typeface="Cambria Math" panose="02040503050406030204" pitchFamily="18" charset="0"/>
+                                    <a:ea typeface="Cambria Math" panose="02040503050406030204" pitchFamily="18" charset="0"/>
+                                  </a:rPr>
+                                  <m:t>−1</m:t>
+                                </m:r>
+                              </m:sup>
+                            </m:sSup>
+                          </m:e>
+                        </m:d>
+                      </m:e>
+                      <m:sup>
+                        <m:r>
+                          <a:rPr lang="en-GB" b="0" i="1" smtClean="0">
+                            <a:latin typeface="Cambria Math" panose="02040503050406030204" pitchFamily="18" charset="0"/>
+                            <a:ea typeface="Cambria Math" panose="02040503050406030204" pitchFamily="18" charset="0"/>
+                          </a:rPr>
+                          <m:t>𝑒</m:t>
+                        </m:r>
+                      </m:sup>
+                    </m:sSup>
+                  </m:oMath>
+                </a14:m>
+                <a:endParaRPr lang="en-GB" b="0" i="1" dirty="0">
+                  <a:latin typeface="Cambria Math" panose="02040503050406030204" pitchFamily="18" charset="0"/>
+                  <a:ea typeface="Cambria Math" panose="02040503050406030204" pitchFamily="18" charset="0"/>
+                </a:endParaRPr>
+              </a:p>
+              <a:p>
+                <a:pPr marL="1165225" indent="-1165225">
+                  <a:buFont typeface="Cambria Math" panose="02040503050406030204" pitchFamily="18" charset="0"/>
+                  <a:buChar char=" "/>
+                </a:pPr>
+                <a14:m>
+                  <m:oMath xmlns:m="http://schemas.openxmlformats.org/officeDocument/2006/math">
+                    <m:r>
+                      <a:rPr lang="en-GB" b="0" i="1" smtClean="0">
+                        <a:latin typeface="Cambria Math" panose="02040503050406030204" pitchFamily="18" charset="0"/>
+                        <a:ea typeface="Cambria Math" panose="02040503050406030204" pitchFamily="18" charset="0"/>
+                      </a:rPr>
+                      <m:t>=</m:t>
+                    </m:r>
+                    <m:sSup>
+                      <m:sSupPr>
+                        <m:ctrlPr>
+                          <a:rPr lang="en-GB" i="1">
+                            <a:latin typeface="Cambria Math" panose="02040503050406030204" pitchFamily="18" charset="0"/>
+                            <a:ea typeface="Cambria Math" panose="02040503050406030204" pitchFamily="18" charset="0"/>
+                          </a:rPr>
+                        </m:ctrlPr>
+                      </m:sSupPr>
+                      <m:e>
+                        <m:d>
+                          <m:dPr>
+                            <m:ctrlPr>
+                              <a:rPr lang="en-GB" i="1">
+                                <a:latin typeface="Cambria Math" panose="02040503050406030204" pitchFamily="18" charset="0"/>
+                                <a:ea typeface="Cambria Math" panose="02040503050406030204" pitchFamily="18" charset="0"/>
+                              </a:rPr>
+                            </m:ctrlPr>
+                          </m:dPr>
+                          <m:e>
+                            <m:r>
+                              <a:rPr lang="en-GB" i="1">
+                                <a:latin typeface="Cambria Math" panose="02040503050406030204" pitchFamily="18" charset="0"/>
+                              </a:rPr>
+                              <m:t>𝐻</m:t>
+                            </m:r>
+                            <m:sSup>
+                              <m:sSupPr>
+                                <m:ctrlPr>
+                                  <a:rPr lang="en-GB" i="1">
+                                    <a:latin typeface="Cambria Math" panose="02040503050406030204" pitchFamily="18" charset="0"/>
+                                  </a:rPr>
+                                </m:ctrlPr>
+                              </m:sSupPr>
+                              <m:e>
+                                <m:d>
+                                  <m:dPr>
+                                    <m:ctrlPr>
+                                      <a:rPr lang="en-GB" i="1">
+                                        <a:latin typeface="Cambria Math" panose="02040503050406030204" pitchFamily="18" charset="0"/>
+                                      </a:rPr>
+                                    </m:ctrlPr>
+                                  </m:dPr>
+                                  <m:e>
+                                    <m:r>
+                                      <a:rPr lang="en-GB" i="1">
+                                        <a:latin typeface="Cambria Math" panose="02040503050406030204" pitchFamily="18" charset="0"/>
+                                      </a:rPr>
+                                      <m:t>𝑚</m:t>
+                                    </m:r>
+                                  </m:e>
+                                </m:d>
+                              </m:e>
+                              <m:sup>
+                                <m:r>
+                                  <a:rPr lang="en-GB" i="1">
+                                    <a:latin typeface="Cambria Math" panose="02040503050406030204" pitchFamily="18" charset="0"/>
+                                  </a:rPr>
+                                  <m:t>𝑑</m:t>
+                                </m:r>
+                              </m:sup>
+                            </m:sSup>
+                            <m:r>
+                              <a:rPr lang="en-GB" i="1" smtClean="0">
+                                <a:latin typeface="Cambria Math" panose="02040503050406030204" pitchFamily="18" charset="0"/>
+                                <a:ea typeface="Cambria Math" panose="02040503050406030204" pitchFamily="18" charset="0"/>
+                              </a:rPr>
+                              <m:t>∙</m:t>
+                            </m:r>
+                            <m:sSup>
+                              <m:sSupPr>
+                                <m:ctrlPr>
+                                  <a:rPr lang="en-GB" i="1">
+                                    <a:latin typeface="Cambria Math" panose="02040503050406030204" pitchFamily="18" charset="0"/>
+                                    <a:ea typeface="Cambria Math" panose="02040503050406030204" pitchFamily="18" charset="0"/>
+                                  </a:rPr>
+                                </m:ctrlPr>
+                              </m:sSupPr>
+                              <m:e>
+                                <m:d>
+                                  <m:dPr>
+                                    <m:ctrlPr>
+                                      <a:rPr lang="en-GB" i="1">
+                                        <a:latin typeface="Cambria Math" panose="02040503050406030204" pitchFamily="18" charset="0"/>
+                                        <a:ea typeface="Cambria Math" panose="02040503050406030204" pitchFamily="18" charset="0"/>
+                                      </a:rPr>
+                                    </m:ctrlPr>
+                                  </m:dPr>
+                                  <m:e>
+                                    <m:sSup>
+                                      <m:sSupPr>
+                                        <m:ctrlPr>
+                                          <a:rPr lang="en-GB" i="1">
+                                            <a:latin typeface="Cambria Math" panose="02040503050406030204" pitchFamily="18" charset="0"/>
+                                            <a:ea typeface="Cambria Math" panose="02040503050406030204" pitchFamily="18" charset="0"/>
+                                          </a:rPr>
+                                        </m:ctrlPr>
+                                      </m:sSupPr>
+                                      <m:e>
+                                        <m:r>
+                                          <a:rPr lang="en-GB" i="1">
+                                            <a:latin typeface="Cambria Math" panose="02040503050406030204" pitchFamily="18" charset="0"/>
+                                            <a:ea typeface="Cambria Math" panose="02040503050406030204" pitchFamily="18" charset="0"/>
+                                          </a:rPr>
+                                          <m:t>𝑢</m:t>
+                                        </m:r>
+                                      </m:e>
+                                      <m:sup>
+                                        <m:r>
+                                          <a:rPr lang="en-GB" i="1">
+                                            <a:latin typeface="Cambria Math" panose="02040503050406030204" pitchFamily="18" charset="0"/>
+                                            <a:ea typeface="Cambria Math" panose="02040503050406030204" pitchFamily="18" charset="0"/>
+                                          </a:rPr>
+                                          <m:t>𝑒</m:t>
+                                        </m:r>
+                                      </m:sup>
+                                    </m:sSup>
+                                  </m:e>
+                                </m:d>
+                              </m:e>
+                              <m:sup>
+                                <m:r>
+                                  <a:rPr lang="en-GB" i="1">
+                                    <a:latin typeface="Cambria Math" panose="02040503050406030204" pitchFamily="18" charset="0"/>
+                                    <a:ea typeface="Cambria Math" panose="02040503050406030204" pitchFamily="18" charset="0"/>
+                                  </a:rPr>
+                                  <m:t>𝑑</m:t>
+                                </m:r>
+                              </m:sup>
+                            </m:sSup>
+                            <m:r>
+                              <a:rPr lang="en-GB" i="1">
+                                <a:latin typeface="Cambria Math" panose="02040503050406030204" pitchFamily="18" charset="0"/>
+                                <a:ea typeface="Cambria Math" panose="02040503050406030204" pitchFamily="18" charset="0"/>
+                              </a:rPr>
+                              <m:t>∙</m:t>
+                            </m:r>
+                            <m:sSup>
+                              <m:sSupPr>
+                                <m:ctrlPr>
+                                  <a:rPr lang="en-GB" i="1">
+                                    <a:latin typeface="Cambria Math" panose="02040503050406030204" pitchFamily="18" charset="0"/>
+                                    <a:ea typeface="Cambria Math" panose="02040503050406030204" pitchFamily="18" charset="0"/>
+                                  </a:rPr>
+                                </m:ctrlPr>
+                              </m:sSupPr>
+                              <m:e>
+                                <m:r>
+                                  <a:rPr lang="en-GB" i="1">
+                                    <a:latin typeface="Cambria Math" panose="02040503050406030204" pitchFamily="18" charset="0"/>
+                                    <a:ea typeface="Cambria Math" panose="02040503050406030204" pitchFamily="18" charset="0"/>
+                                  </a:rPr>
+                                  <m:t>𝑢</m:t>
+                                </m:r>
+                              </m:e>
+                              <m:sup>
+                                <m:r>
+                                  <a:rPr lang="en-GB" i="1">
+                                    <a:latin typeface="Cambria Math" panose="02040503050406030204" pitchFamily="18" charset="0"/>
+                                    <a:ea typeface="Cambria Math" panose="02040503050406030204" pitchFamily="18" charset="0"/>
+                                  </a:rPr>
+                                  <m:t>−1</m:t>
+                                </m:r>
+                              </m:sup>
+                            </m:sSup>
+                          </m:e>
+                        </m:d>
+                      </m:e>
+                      <m:sup>
+                        <m:r>
+                          <a:rPr lang="en-GB" i="1">
+                            <a:latin typeface="Cambria Math" panose="02040503050406030204" pitchFamily="18" charset="0"/>
+                            <a:ea typeface="Cambria Math" panose="02040503050406030204" pitchFamily="18" charset="0"/>
+                          </a:rPr>
+                          <m:t>𝑒</m:t>
+                        </m:r>
+                      </m:sup>
+                    </m:sSup>
+                  </m:oMath>
+                </a14:m>
+                <a:endParaRPr lang="en-GB" i="1" dirty="0">
+                  <a:latin typeface="Cambria Math" panose="02040503050406030204" pitchFamily="18" charset="0"/>
+                  <a:ea typeface="Cambria Math" panose="02040503050406030204" pitchFamily="18" charset="0"/>
+                </a:endParaRPr>
+              </a:p>
+              <a:p>
+                <a:pPr marL="1165225" indent="-1165225">
+                  <a:buFont typeface="Cambria Math" panose="02040503050406030204" pitchFamily="18" charset="0"/>
+                  <a:buChar char=" "/>
+                </a:pPr>
+                <a14:m>
+                  <m:oMath xmlns:m="http://schemas.openxmlformats.org/officeDocument/2006/math">
+                    <m:r>
+                      <a:rPr lang="en-GB" b="0" i="1" smtClean="0">
+                        <a:latin typeface="Cambria Math" panose="02040503050406030204" pitchFamily="18" charset="0"/>
+                        <a:ea typeface="Cambria Math" panose="02040503050406030204" pitchFamily="18" charset="0"/>
+                      </a:rPr>
+                      <m:t>=</m:t>
+                    </m:r>
+                    <m:sSup>
+                      <m:sSupPr>
+                        <m:ctrlPr>
+                          <a:rPr lang="en-GB" i="1">
+                            <a:latin typeface="Cambria Math" panose="02040503050406030204" pitchFamily="18" charset="0"/>
+                            <a:ea typeface="Cambria Math" panose="02040503050406030204" pitchFamily="18" charset="0"/>
+                          </a:rPr>
+                        </m:ctrlPr>
+                      </m:sSupPr>
+                      <m:e>
+                        <m:d>
+                          <m:dPr>
+                            <m:ctrlPr>
+                              <a:rPr lang="en-GB" i="1">
+                                <a:latin typeface="Cambria Math" panose="02040503050406030204" pitchFamily="18" charset="0"/>
+                                <a:ea typeface="Cambria Math" panose="02040503050406030204" pitchFamily="18" charset="0"/>
+                              </a:rPr>
+                            </m:ctrlPr>
+                          </m:dPr>
+                          <m:e>
+                            <m:r>
+                              <a:rPr lang="en-GB" i="1">
+                                <a:latin typeface="Cambria Math" panose="02040503050406030204" pitchFamily="18" charset="0"/>
+                              </a:rPr>
+                              <m:t>𝐻</m:t>
+                            </m:r>
+                            <m:sSup>
+                              <m:sSupPr>
+                                <m:ctrlPr>
+                                  <a:rPr lang="en-GB" i="1">
+                                    <a:latin typeface="Cambria Math" panose="02040503050406030204" pitchFamily="18" charset="0"/>
+                                  </a:rPr>
+                                </m:ctrlPr>
+                              </m:sSupPr>
+                              <m:e>
+                                <m:d>
+                                  <m:dPr>
+                                    <m:ctrlPr>
+                                      <a:rPr lang="en-GB" i="1">
+                                        <a:latin typeface="Cambria Math" panose="02040503050406030204" pitchFamily="18" charset="0"/>
+                                      </a:rPr>
+                                    </m:ctrlPr>
+                                  </m:dPr>
+                                  <m:e>
+                                    <m:r>
+                                      <a:rPr lang="en-GB" i="1">
+                                        <a:latin typeface="Cambria Math" panose="02040503050406030204" pitchFamily="18" charset="0"/>
+                                      </a:rPr>
+                                      <m:t>𝑚</m:t>
+                                    </m:r>
+                                  </m:e>
+                                </m:d>
+                              </m:e>
+                              <m:sup>
+                                <m:r>
+                                  <a:rPr lang="en-GB" i="1">
+                                    <a:latin typeface="Cambria Math" panose="02040503050406030204" pitchFamily="18" charset="0"/>
+                                  </a:rPr>
+                                  <m:t>𝑑</m:t>
+                                </m:r>
+                              </m:sup>
+                            </m:sSup>
+                            <m:r>
+                              <a:rPr lang="en-GB" i="1">
+                                <a:latin typeface="Cambria Math" panose="02040503050406030204" pitchFamily="18" charset="0"/>
+                                <a:ea typeface="Cambria Math" panose="02040503050406030204" pitchFamily="18" charset="0"/>
+                              </a:rPr>
+                              <m:t>∙</m:t>
+                            </m:r>
+                            <m:r>
+                              <a:rPr lang="en-GB" b="0" i="1" smtClean="0">
+                                <a:latin typeface="Cambria Math" panose="02040503050406030204" pitchFamily="18" charset="0"/>
+                                <a:ea typeface="Cambria Math" panose="02040503050406030204" pitchFamily="18" charset="0"/>
+                              </a:rPr>
+                              <m:t>1</m:t>
+                            </m:r>
+                          </m:e>
+                        </m:d>
+                      </m:e>
+                      <m:sup>
+                        <m:r>
+                          <a:rPr lang="en-GB" i="1">
+                            <a:latin typeface="Cambria Math" panose="02040503050406030204" pitchFamily="18" charset="0"/>
+                            <a:ea typeface="Cambria Math" panose="02040503050406030204" pitchFamily="18" charset="0"/>
+                          </a:rPr>
+                          <m:t>𝑒</m:t>
+                        </m:r>
+                      </m:sup>
+                    </m:sSup>
+                  </m:oMath>
+                </a14:m>
+                <a:endParaRPr lang="en-GB" i="1" dirty="0">
+                  <a:latin typeface="Cambria Math" panose="02040503050406030204" pitchFamily="18" charset="0"/>
+                  <a:ea typeface="Cambria Math" panose="02040503050406030204" pitchFamily="18" charset="0"/>
+                </a:endParaRPr>
+              </a:p>
+              <a:p>
+                <a:pPr marL="1165225" indent="-1165225">
+                  <a:buFont typeface="Cambria Math" panose="02040503050406030204" pitchFamily="18" charset="0"/>
+                  <a:buChar char=" "/>
+                </a:pPr>
+                <a14:m>
+                  <m:oMath xmlns:m="http://schemas.openxmlformats.org/officeDocument/2006/math">
+                    <m:r>
+                      <a:rPr lang="en-GB" b="0" i="1" smtClean="0">
+                        <a:latin typeface="Cambria Math" panose="02040503050406030204" pitchFamily="18" charset="0"/>
+                        <a:ea typeface="Cambria Math" panose="02040503050406030204" pitchFamily="18" charset="0"/>
+                      </a:rPr>
+                      <m:t>=</m:t>
+                    </m:r>
+                    <m:r>
+                      <a:rPr lang="en-GB" b="0" i="1" smtClean="0">
+                        <a:latin typeface="Cambria Math" panose="02040503050406030204" pitchFamily="18" charset="0"/>
+                        <a:ea typeface="Cambria Math" panose="02040503050406030204" pitchFamily="18" charset="0"/>
+                      </a:rPr>
+                      <m:t>𝐻</m:t>
+                    </m:r>
+                    <m:sSup>
+                      <m:sSupPr>
+                        <m:ctrlPr>
+                          <a:rPr lang="en-GB" b="0" i="1" smtClean="0">
+                            <a:latin typeface="Cambria Math" panose="02040503050406030204" pitchFamily="18" charset="0"/>
+                            <a:ea typeface="Cambria Math" panose="02040503050406030204" pitchFamily="18" charset="0"/>
+                          </a:rPr>
+                        </m:ctrlPr>
+                      </m:sSupPr>
+                      <m:e>
+                        <m:sSup>
+                          <m:sSupPr>
+                            <m:ctrlPr>
+                              <a:rPr lang="en-GB" b="0" i="1" smtClean="0">
+                                <a:latin typeface="Cambria Math" panose="02040503050406030204" pitchFamily="18" charset="0"/>
+                                <a:ea typeface="Cambria Math" panose="02040503050406030204" pitchFamily="18" charset="0"/>
+                              </a:rPr>
+                            </m:ctrlPr>
+                          </m:sSupPr>
+                          <m:e>
+                            <m:d>
+                              <m:dPr>
+                                <m:ctrlPr>
+                                  <a:rPr lang="en-GB" b="0" i="1" smtClean="0">
+                                    <a:latin typeface="Cambria Math" panose="02040503050406030204" pitchFamily="18" charset="0"/>
+                                    <a:ea typeface="Cambria Math" panose="02040503050406030204" pitchFamily="18" charset="0"/>
+                                  </a:rPr>
+                                </m:ctrlPr>
+                              </m:dPr>
+                              <m:e>
+                                <m:r>
+                                  <a:rPr lang="en-GB" b="0" i="1" smtClean="0">
+                                    <a:latin typeface="Cambria Math" panose="02040503050406030204" pitchFamily="18" charset="0"/>
+                                    <a:ea typeface="Cambria Math" panose="02040503050406030204" pitchFamily="18" charset="0"/>
+                                  </a:rPr>
+                                  <m:t>𝑚</m:t>
+                                </m:r>
+                              </m:e>
+                            </m:d>
+                          </m:e>
+                          <m:sup>
+                            <m:r>
+                              <a:rPr lang="en-GB" b="0" i="1" smtClean="0">
+                                <a:latin typeface="Cambria Math" panose="02040503050406030204" pitchFamily="18" charset="0"/>
+                                <a:ea typeface="Cambria Math" panose="02040503050406030204" pitchFamily="18" charset="0"/>
+                              </a:rPr>
+                              <m:t>𝑑</m:t>
+                            </m:r>
+                          </m:sup>
+                        </m:sSup>
+                      </m:e>
+                      <m:sup>
+                        <m:r>
+                          <a:rPr lang="en-GB" b="0" i="1" smtClean="0">
+                            <a:latin typeface="Cambria Math" panose="02040503050406030204" pitchFamily="18" charset="0"/>
+                            <a:ea typeface="Cambria Math" panose="02040503050406030204" pitchFamily="18" charset="0"/>
+                          </a:rPr>
+                          <m:t>𝑒</m:t>
+                        </m:r>
+                      </m:sup>
+                    </m:sSup>
+                    <m:r>
+                      <a:rPr lang="en-GB" b="0" i="1" smtClean="0">
+                        <a:latin typeface="Cambria Math" panose="02040503050406030204" pitchFamily="18" charset="0"/>
+                        <a:ea typeface="Cambria Math" panose="02040503050406030204" pitchFamily="18" charset="0"/>
+                      </a:rPr>
+                      <m:t>∙</m:t>
+                    </m:r>
+                    <m:sSup>
+                      <m:sSupPr>
+                        <m:ctrlPr>
+                          <a:rPr lang="en-GB" b="0" i="1" smtClean="0">
+                            <a:latin typeface="Cambria Math" panose="02040503050406030204" pitchFamily="18" charset="0"/>
+                            <a:ea typeface="Cambria Math" panose="02040503050406030204" pitchFamily="18" charset="0"/>
+                          </a:rPr>
+                        </m:ctrlPr>
+                      </m:sSupPr>
+                      <m:e>
+                        <m:r>
+                          <a:rPr lang="en-GB" b="0" i="1" smtClean="0">
+                            <a:latin typeface="Cambria Math" panose="02040503050406030204" pitchFamily="18" charset="0"/>
+                            <a:ea typeface="Cambria Math" panose="02040503050406030204" pitchFamily="18" charset="0"/>
+                          </a:rPr>
+                          <m:t>1</m:t>
+                        </m:r>
+                      </m:e>
+                      <m:sup>
+                        <m:r>
+                          <a:rPr lang="en-GB" b="0" i="1" smtClean="0">
+                            <a:latin typeface="Cambria Math" panose="02040503050406030204" pitchFamily="18" charset="0"/>
+                            <a:ea typeface="Cambria Math" panose="02040503050406030204" pitchFamily="18" charset="0"/>
+                          </a:rPr>
+                          <m:t>𝑒</m:t>
+                        </m:r>
+                      </m:sup>
+                    </m:sSup>
+                  </m:oMath>
+                </a14:m>
+                <a:endParaRPr lang="en-GB" b="0" i="1" dirty="0">
+                  <a:latin typeface="Cambria Math" panose="02040503050406030204" pitchFamily="18" charset="0"/>
+                  <a:ea typeface="Cambria Math" panose="02040503050406030204" pitchFamily="18" charset="0"/>
+                </a:endParaRPr>
+              </a:p>
+              <a:p>
+                <a:pPr marL="1165225" indent="-1165225">
+                  <a:buFont typeface="Cambria Math" panose="02040503050406030204" pitchFamily="18" charset="0"/>
+                  <a:buChar char=" "/>
+                </a:pPr>
+                <a14:m>
+                  <m:oMath xmlns:m="http://schemas.openxmlformats.org/officeDocument/2006/math">
+                    <m:r>
+                      <a:rPr lang="en-GB" b="0" i="1" smtClean="0">
+                        <a:latin typeface="Cambria Math" panose="02040503050406030204" pitchFamily="18" charset="0"/>
+                        <a:ea typeface="Cambria Math" panose="02040503050406030204" pitchFamily="18" charset="0"/>
+                      </a:rPr>
+                      <m:t>=</m:t>
+                    </m:r>
+                    <m:r>
+                      <a:rPr lang="en-GB" b="0" i="1" smtClean="0">
+                        <a:latin typeface="Cambria Math" panose="02040503050406030204" pitchFamily="18" charset="0"/>
+                        <a:ea typeface="Cambria Math" panose="02040503050406030204" pitchFamily="18" charset="0"/>
+                      </a:rPr>
+                      <m:t>𝐻</m:t>
+                    </m:r>
+                    <m:d>
+                      <m:dPr>
+                        <m:ctrlPr>
+                          <a:rPr lang="en-GB" b="0" i="1" smtClean="0">
+                            <a:latin typeface="Cambria Math" panose="02040503050406030204" pitchFamily="18" charset="0"/>
+                            <a:ea typeface="Cambria Math" panose="02040503050406030204" pitchFamily="18" charset="0"/>
+                          </a:rPr>
+                        </m:ctrlPr>
+                      </m:dPr>
+                      <m:e>
+                        <m:r>
+                          <a:rPr lang="en-GB" b="0" i="1" smtClean="0">
+                            <a:latin typeface="Cambria Math" panose="02040503050406030204" pitchFamily="18" charset="0"/>
+                            <a:ea typeface="Cambria Math" panose="02040503050406030204" pitchFamily="18" charset="0"/>
+                          </a:rPr>
+                          <m:t>𝑚</m:t>
+                        </m:r>
+                      </m:e>
+                    </m:d>
+                  </m:oMath>
+                </a14:m>
+                <a:endParaRPr lang="en-GB" b="0" dirty="0">
+                  <a:ea typeface="Cambria Math" panose="02040503050406030204" pitchFamily="18" charset="0"/>
+                </a:endParaRPr>
+              </a:p>
+              <a:p>
+                <a:pPr marL="0" indent="0">
+                  <a:buNone/>
+                </a:pPr>
+                <a:r>
+                  <a:rPr lang="en-GB" dirty="0">
+                    <a:ea typeface="Cambria Math" panose="02040503050406030204" pitchFamily="18" charset="0"/>
+                  </a:rPr>
+                  <a:t>All calculations </a:t>
+                </a:r>
+                <a14:m>
+                  <m:oMath xmlns:m="http://schemas.openxmlformats.org/officeDocument/2006/math">
+                    <m:d>
+                      <m:dPr>
+                        <m:ctrlPr>
+                          <a:rPr lang="en-GB" i="1" smtClean="0">
+                            <a:latin typeface="Cambria Math" panose="02040503050406030204" pitchFamily="18" charset="0"/>
+                            <a:ea typeface="Cambria Math" panose="02040503050406030204" pitchFamily="18" charset="0"/>
+                          </a:rPr>
+                        </m:ctrlPr>
+                      </m:dPr>
+                      <m:e>
+                        <m:r>
+                          <m:rPr>
+                            <m:nor/>
+                          </m:rPr>
+                          <a:rPr lang="en-GB">
+                            <a:latin typeface="Cambria Math" panose="02040503050406030204" pitchFamily="18" charset="0"/>
+                            <a:ea typeface="Cambria Math" panose="02040503050406030204" pitchFamily="18" charset="0"/>
+                          </a:rPr>
+                          <m:t>mod</m:t>
+                        </m:r>
+                        <m:r>
+                          <a:rPr lang="en-GB" i="1">
+                            <a:latin typeface="Cambria Math" panose="02040503050406030204" pitchFamily="18" charset="0"/>
+                            <a:ea typeface="Cambria Math" panose="02040503050406030204" pitchFamily="18" charset="0"/>
+                          </a:rPr>
+                          <m:t> </m:t>
+                        </m:r>
+                        <m:r>
+                          <a:rPr lang="en-GB" i="1">
+                            <a:latin typeface="Cambria Math" panose="02040503050406030204" pitchFamily="18" charset="0"/>
+                            <a:ea typeface="Cambria Math" panose="02040503050406030204" pitchFamily="18" charset="0"/>
+                          </a:rPr>
+                          <m:t>𝑁</m:t>
+                        </m:r>
+                      </m:e>
+                    </m:d>
+                  </m:oMath>
+                </a14:m>
+                <a:endParaRPr lang="en-GB" dirty="0">
+                  <a:ea typeface="Cambria Math" panose="02040503050406030204" pitchFamily="18" charset="0"/>
+                </a:endParaRPr>
+              </a:p>
+            </p:txBody>
+          </p:sp>
+        </mc:Choice>
+        <mc:Fallback>
+          <p:sp>
+            <p:nvSpPr>
+              <p:cNvPr id="3" name="Content Placeholder 2">
+                <a:extLst>
+                  <a:ext uri="{FF2B5EF4-FFF2-40B4-BE49-F238E27FC236}">
+                    <a16:creationId xmlns:a16="http://schemas.microsoft.com/office/drawing/2014/main" id="{26A75551-6E14-07CD-2600-C21BE4D85B8E}"/>
+                  </a:ext>
+                </a:extLst>
+              </p:cNvPr>
+              <p:cNvSpPr>
+                <a:spLocks noGrp="1" noRot="1" noChangeAspect="1" noMove="1" noResize="1" noEditPoints="1" noAdjustHandles="1" noChangeArrowheads="1" noChangeShapeType="1" noTextEdit="1"/>
+              </p:cNvSpPr>
+              <p:nvPr>
+                <p:ph idx="1"/>
+              </p:nvPr>
+            </p:nvSpPr>
+            <p:spPr>
+              <a:blipFill>
+                <a:blip r:embed="rId2"/>
+                <a:stretch>
+                  <a:fillRect l="-567"/>
+                </a:stretch>
+              </a:blipFill>
+            </p:spPr>
+            <p:txBody>
+              <a:bodyPr/>
+              <a:lstStyle/>
+              <a:p>
+                <a:r>
+                  <a:rPr lang="en-GB">
+                    <a:noFill/>
+                  </a:rPr>
+                  <a:t> </a:t>
+                </a:r>
+              </a:p>
+            </p:txBody>
+          </p:sp>
+        </mc:Fallback>
+      </mc:AlternateContent>
+      <p:sp>
+        <p:nvSpPr>
+          <p:cNvPr id="4" name="Slide Number Placeholder 3">
+            <a:extLst>
+              <a:ext uri="{FF2B5EF4-FFF2-40B4-BE49-F238E27FC236}">
+                <a16:creationId xmlns:a16="http://schemas.microsoft.com/office/drawing/2014/main" id="{C7EDEF99-A64A-EDED-BBEC-918AA08AE629}"/>
+              </a:ext>
+            </a:extLst>
+          </p:cNvPr>
+          <p:cNvSpPr>
+            <a:spLocks noGrp="1"/>
+          </p:cNvSpPr>
+          <p:nvPr>
+            <p:ph type="sldNum" sz="quarter" idx="12"/>
+          </p:nvPr>
+        </p:nvSpPr>
+        <p:spPr/>
+        <p:txBody>
+          <a:bodyPr>
+            <a:normAutofit lnSpcReduction="10000"/>
+          </a:bodyPr>
+          <a:lstStyle/>
+          <a:p>
+            <a:fld id="{05FD7838-569C-4EAB-98FE-B3CDE1C02B93}" type="slidenum">
+              <a:rPr lang="en-GB" smtClean="0"/>
+              <a:t>43</a:t>
+            </a:fld>
+            <a:endParaRPr lang="en-GB" dirty="0"/>
+          </a:p>
+        </p:txBody>
+      </p:sp>
+    </p:spTree>
+    <p:extLst>
+      <p:ext uri="{BB962C8B-B14F-4D97-AF65-F5344CB8AC3E}">
+        <p14:creationId xmlns:p14="http://schemas.microsoft.com/office/powerpoint/2010/main" val="2432558643"/>
+      </p:ext>
+    </p:extLst>
+  </p:cSld>
+  <p:clrMapOvr>
+    <a:masterClrMapping/>
+  </p:clrMapOvr>
+</p:sld>
+</file>
+
+<file path=ppt/slides/slide44.xml><?xml version="1.0" encoding="utf-8"?>
+<p:sld xmlns:a="http://schemas.openxmlformats.org/drawingml/2006/main" xmlns:r="http://schemas.openxmlformats.org/officeDocument/2006/relationships" xmlns:p="http://schemas.openxmlformats.org/presentationml/2006/main">
+  <p:cSld>
+    <p:spTree>
+      <p:nvGrpSpPr>
+        <p:cNvPr id="1" name=""/>
+        <p:cNvGrpSpPr/>
+        <p:nvPr/>
+      </p:nvGrpSpPr>
+      <p:grpSpPr>
+        <a:xfrm>
+          <a:off x="0" y="0"/>
+          <a:ext cx="0" cy="0"/>
+          <a:chOff x="0" y="0"/>
+          <a:chExt cx="0" cy="0"/>
+        </a:xfrm>
+      </p:grpSpPr>
+      <p:sp>
+        <p:nvSpPr>
+          <p:cNvPr id="2" name="Title 1">
+            <a:extLst>
+              <a:ext uri="{FF2B5EF4-FFF2-40B4-BE49-F238E27FC236}">
+                <a16:creationId xmlns:a16="http://schemas.microsoft.com/office/drawing/2014/main" id="{3E60DF16-C86B-292A-91F3-69490B52F8D7}"/>
+              </a:ext>
+            </a:extLst>
+          </p:cNvPr>
+          <p:cNvSpPr>
+            <a:spLocks noGrp="1"/>
+          </p:cNvSpPr>
+          <p:nvPr>
+            <p:ph type="title"/>
+          </p:nvPr>
+        </p:nvSpPr>
+        <p:spPr/>
+        <p:txBody>
+          <a:bodyPr/>
+          <a:lstStyle/>
+          <a:p>
+            <a:r>
+              <a:rPr lang="en-GB" dirty="0"/>
+              <a:t>Homomorphic El Gamal: Correctness I</a:t>
+            </a:r>
+          </a:p>
+        </p:txBody>
+      </p:sp>
+      <mc:AlternateContent xmlns:mc="http://schemas.openxmlformats.org/markup-compatibility/2006">
+        <mc:Choice xmlns:a14="http://schemas.microsoft.com/office/drawing/2010/main" Requires="a14">
+          <p:sp>
+            <p:nvSpPr>
+              <p:cNvPr id="3" name="Content Placeholder 2">
+                <a:extLst>
+                  <a:ext uri="{FF2B5EF4-FFF2-40B4-BE49-F238E27FC236}">
+                    <a16:creationId xmlns:a16="http://schemas.microsoft.com/office/drawing/2014/main" id="{D6AA1D69-98E5-A321-D75E-C29A5DFC49C6}"/>
+                  </a:ext>
+                </a:extLst>
+              </p:cNvPr>
+              <p:cNvSpPr>
+                <a:spLocks noGrp="1"/>
+              </p:cNvSpPr>
+              <p:nvPr>
+                <p:ph idx="1"/>
+              </p:nvPr>
+            </p:nvSpPr>
+            <p:spPr>
+              <a:xfrm>
+                <a:off x="1261872" y="1820863"/>
+                <a:ext cx="8595360" cy="4351337"/>
+              </a:xfrm>
+            </p:spPr>
+            <p:txBody>
+              <a:bodyPr>
+                <a:normAutofit/>
+              </a:bodyPr>
+              <a:lstStyle/>
+              <a:p>
+                <a:r>
+                  <a:rPr lang="en-GB" dirty="0"/>
+                  <a:t>Encryption/Decryption: </a:t>
+                </a:r>
+                <a:endParaRPr lang="en-GB" b="0" i="1" dirty="0">
+                  <a:latin typeface="Cambria Math" panose="02040503050406030204" pitchFamily="18" charset="0"/>
+                </a:endParaRPr>
+              </a:p>
+              <a:p>
+                <a:pPr>
+                  <a:buFont typeface="Cambria Math" panose="02040503050406030204" pitchFamily="18" charset="0"/>
+                  <a:buChar char=" "/>
+                </a:pPr>
+                <a14:m>
+                  <m:oMath xmlns:m="http://schemas.openxmlformats.org/officeDocument/2006/math">
+                    <m:r>
+                      <a:rPr lang="en-GB" b="0" i="1" smtClean="0">
+                        <a:latin typeface="Cambria Math" panose="02040503050406030204" pitchFamily="18" charset="0"/>
+                      </a:rPr>
+                      <m:t>𝐷𝑒𝑐</m:t>
+                    </m:r>
+                    <m:d>
+                      <m:dPr>
+                        <m:ctrlPr>
+                          <a:rPr lang="en-GB" b="0" i="1" smtClean="0">
+                            <a:latin typeface="Cambria Math" panose="02040503050406030204" pitchFamily="18" charset="0"/>
+                          </a:rPr>
+                        </m:ctrlPr>
+                      </m:dPr>
+                      <m:e>
+                        <m:r>
+                          <a:rPr lang="en-GB" b="0" i="1" smtClean="0">
+                            <a:latin typeface="Cambria Math" panose="02040503050406030204" pitchFamily="18" charset="0"/>
+                          </a:rPr>
+                          <m:t>𝑠𝑘</m:t>
+                        </m:r>
+                        <m:r>
+                          <a:rPr lang="en-GB" b="0" i="1" smtClean="0">
+                            <a:latin typeface="Cambria Math" panose="02040503050406030204" pitchFamily="18" charset="0"/>
+                          </a:rPr>
+                          <m:t>, </m:t>
+                        </m:r>
+                        <m:r>
+                          <a:rPr lang="en-GB" b="0" i="1" smtClean="0">
+                            <a:latin typeface="Cambria Math" panose="02040503050406030204" pitchFamily="18" charset="0"/>
+                          </a:rPr>
+                          <m:t>𝐸𝑛𝑐</m:t>
+                        </m:r>
+                        <m:d>
+                          <m:dPr>
+                            <m:ctrlPr>
+                              <a:rPr lang="en-GB" b="0" i="1" smtClean="0">
+                                <a:latin typeface="Cambria Math" panose="02040503050406030204" pitchFamily="18" charset="0"/>
+                              </a:rPr>
+                            </m:ctrlPr>
+                          </m:dPr>
+                          <m:e>
+                            <m:r>
+                              <a:rPr lang="en-GB" b="0" i="1" smtClean="0">
+                                <a:latin typeface="Cambria Math" panose="02040503050406030204" pitchFamily="18" charset="0"/>
+                              </a:rPr>
+                              <m:t>𝑝𝑘</m:t>
+                            </m:r>
+                            <m:r>
+                              <a:rPr lang="en-GB" b="0" i="1" smtClean="0">
+                                <a:latin typeface="Cambria Math" panose="02040503050406030204" pitchFamily="18" charset="0"/>
+                              </a:rPr>
+                              <m:t>,</m:t>
+                            </m:r>
+                            <m:r>
+                              <a:rPr lang="en-GB" b="0" i="1" smtClean="0">
+                                <a:latin typeface="Cambria Math" panose="02040503050406030204" pitchFamily="18" charset="0"/>
+                              </a:rPr>
+                              <m:t>𝑚</m:t>
+                            </m:r>
+                          </m:e>
+                        </m:d>
+                      </m:e>
+                    </m:d>
+                  </m:oMath>
+                </a14:m>
+                <a:endParaRPr lang="en-GB" b="0" i="1" dirty="0">
+                  <a:latin typeface="Cambria Math" panose="02040503050406030204" pitchFamily="18" charset="0"/>
+                </a:endParaRPr>
+              </a:p>
+              <a:p>
+                <a:pPr marL="180975" indent="-180975">
+                  <a:buFont typeface="Cambria Math" panose="02040503050406030204" pitchFamily="18" charset="0"/>
+                  <a:buChar char=" "/>
+                </a:pPr>
+                <a14:m>
+                  <m:oMath xmlns:m="http://schemas.openxmlformats.org/officeDocument/2006/math">
+                    <m:r>
+                      <a:rPr lang="en-GB" b="0" i="1" smtClean="0">
+                        <a:latin typeface="Cambria Math" panose="02040503050406030204" pitchFamily="18" charset="0"/>
+                      </a:rPr>
+                      <m:t>=</m:t>
+                    </m:r>
+                    <m:r>
+                      <a:rPr lang="en-GB" b="0" i="1" smtClean="0">
+                        <a:latin typeface="Cambria Math" panose="02040503050406030204" pitchFamily="18" charset="0"/>
+                      </a:rPr>
+                      <m:t>𝑑</m:t>
+                    </m:r>
+                    <m:r>
+                      <a:rPr lang="en-GB" b="0" i="1" smtClean="0">
+                        <a:latin typeface="Cambria Math" panose="02040503050406030204" pitchFamily="18" charset="0"/>
+                        <a:ea typeface="Cambria Math" panose="02040503050406030204" pitchFamily="18" charset="0"/>
+                      </a:rPr>
+                      <m:t>∙</m:t>
+                    </m:r>
+                    <m:sSup>
+                      <m:sSupPr>
+                        <m:ctrlPr>
+                          <a:rPr lang="en-GB" b="0" i="1" smtClean="0">
+                            <a:latin typeface="Cambria Math" panose="02040503050406030204" pitchFamily="18" charset="0"/>
+                            <a:ea typeface="Cambria Math" panose="02040503050406030204" pitchFamily="18" charset="0"/>
+                          </a:rPr>
+                        </m:ctrlPr>
+                      </m:sSupPr>
+                      <m:e>
+                        <m:d>
+                          <m:dPr>
+                            <m:ctrlPr>
+                              <a:rPr lang="en-GB" b="0" i="1" smtClean="0">
+                                <a:latin typeface="Cambria Math" panose="02040503050406030204" pitchFamily="18" charset="0"/>
+                                <a:ea typeface="Cambria Math" panose="02040503050406030204" pitchFamily="18" charset="0"/>
+                              </a:rPr>
+                            </m:ctrlPr>
+                          </m:dPr>
+                          <m:e>
+                            <m:sSup>
+                              <m:sSupPr>
+                                <m:ctrlPr>
+                                  <a:rPr lang="en-GB" b="0" i="1" smtClean="0">
+                                    <a:latin typeface="Cambria Math" panose="02040503050406030204" pitchFamily="18" charset="0"/>
+                                    <a:ea typeface="Cambria Math" panose="02040503050406030204" pitchFamily="18" charset="0"/>
+                                  </a:rPr>
+                                </m:ctrlPr>
+                              </m:sSupPr>
+                              <m:e>
+                                <m:r>
+                                  <a:rPr lang="en-GB" b="0" i="1" smtClean="0">
+                                    <a:latin typeface="Cambria Math" panose="02040503050406030204" pitchFamily="18" charset="0"/>
+                                    <a:ea typeface="Cambria Math" panose="02040503050406030204" pitchFamily="18" charset="0"/>
+                                  </a:rPr>
+                                  <m:t>𝑐</m:t>
+                                </m:r>
+                              </m:e>
+                              <m:sup>
+                                <m:r>
+                                  <a:rPr lang="en-GB" b="0" i="1" smtClean="0">
+                                    <a:latin typeface="Cambria Math" panose="02040503050406030204" pitchFamily="18" charset="0"/>
+                                    <a:ea typeface="Cambria Math" panose="02040503050406030204" pitchFamily="18" charset="0"/>
+                                  </a:rPr>
+                                  <m:t>𝑠𝑘</m:t>
+                                </m:r>
+                              </m:sup>
+                            </m:sSup>
+                          </m:e>
+                        </m:d>
+                      </m:e>
+                      <m:sup>
+                        <m:r>
+                          <a:rPr lang="en-GB" b="0" i="1" smtClean="0">
+                            <a:latin typeface="Cambria Math" panose="02040503050406030204" pitchFamily="18" charset="0"/>
+                            <a:ea typeface="Cambria Math" panose="02040503050406030204" pitchFamily="18" charset="0"/>
+                          </a:rPr>
+                          <m:t>−1</m:t>
+                        </m:r>
+                      </m:sup>
+                    </m:sSup>
+                  </m:oMath>
+                </a14:m>
+                <a:endParaRPr lang="en-GB" b="0" i="1" dirty="0">
+                  <a:latin typeface="Cambria Math" panose="02040503050406030204" pitchFamily="18" charset="0"/>
+                  <a:ea typeface="Cambria Math" panose="02040503050406030204" pitchFamily="18" charset="0"/>
+                </a:endParaRPr>
+              </a:p>
+              <a:p>
+                <a:pPr marL="180975" indent="-180975">
+                  <a:buFont typeface="Cambria Math" panose="02040503050406030204" pitchFamily="18" charset="0"/>
+                  <a:buChar char=" "/>
+                </a:pPr>
+                <a14:m>
+                  <m:oMath xmlns:m="http://schemas.openxmlformats.org/officeDocument/2006/math">
+                    <m:r>
+                      <a:rPr lang="en-GB" b="0" i="1" smtClean="0">
+                        <a:latin typeface="Cambria Math" panose="02040503050406030204" pitchFamily="18" charset="0"/>
+                        <a:ea typeface="Cambria Math" panose="02040503050406030204" pitchFamily="18" charset="0"/>
+                      </a:rPr>
+                      <m:t>=</m:t>
+                    </m:r>
+                    <m:d>
+                      <m:dPr>
+                        <m:ctrlPr>
+                          <a:rPr lang="en-GB" b="0" i="1" smtClean="0">
+                            <a:latin typeface="Cambria Math" panose="02040503050406030204" pitchFamily="18" charset="0"/>
+                            <a:ea typeface="Cambria Math" panose="02040503050406030204" pitchFamily="18" charset="0"/>
+                          </a:rPr>
+                        </m:ctrlPr>
+                      </m:dPr>
+                      <m:e>
+                        <m:r>
+                          <a:rPr lang="en-GB" b="0" i="1" smtClean="0">
+                            <a:latin typeface="Cambria Math" panose="02040503050406030204" pitchFamily="18" charset="0"/>
+                            <a:ea typeface="Cambria Math" panose="02040503050406030204" pitchFamily="18" charset="0"/>
+                          </a:rPr>
+                          <m:t>𝑚</m:t>
+                        </m:r>
+                        <m:r>
+                          <a:rPr lang="en-GB" b="0" i="1" smtClean="0">
+                            <a:latin typeface="Cambria Math" panose="02040503050406030204" pitchFamily="18" charset="0"/>
+                            <a:ea typeface="Cambria Math" panose="02040503050406030204" pitchFamily="18" charset="0"/>
+                          </a:rPr>
+                          <m:t>∙</m:t>
+                        </m:r>
+                        <m:r>
+                          <a:rPr lang="en-GB" b="0" i="1" smtClean="0">
+                            <a:latin typeface="Cambria Math" panose="02040503050406030204" pitchFamily="18" charset="0"/>
+                            <a:ea typeface="Cambria Math" panose="02040503050406030204" pitchFamily="18" charset="0"/>
+                          </a:rPr>
+                          <m:t>𝑝</m:t>
+                        </m:r>
+                        <m:sSup>
+                          <m:sSupPr>
+                            <m:ctrlPr>
+                              <a:rPr lang="en-GB" b="0" i="1" smtClean="0">
+                                <a:latin typeface="Cambria Math" panose="02040503050406030204" pitchFamily="18" charset="0"/>
+                                <a:ea typeface="Cambria Math" panose="02040503050406030204" pitchFamily="18" charset="0"/>
+                              </a:rPr>
+                            </m:ctrlPr>
+                          </m:sSupPr>
+                          <m:e>
+                            <m:r>
+                              <a:rPr lang="en-GB" b="0" i="1" smtClean="0">
+                                <a:latin typeface="Cambria Math" panose="02040503050406030204" pitchFamily="18" charset="0"/>
+                                <a:ea typeface="Cambria Math" panose="02040503050406030204" pitchFamily="18" charset="0"/>
+                              </a:rPr>
+                              <m:t>𝑘</m:t>
+                            </m:r>
+                          </m:e>
+                          <m:sup>
+                            <m:r>
+                              <a:rPr lang="en-GB" b="0" i="1" smtClean="0">
+                                <a:latin typeface="Cambria Math" panose="02040503050406030204" pitchFamily="18" charset="0"/>
+                                <a:ea typeface="Cambria Math" panose="02040503050406030204" pitchFamily="18" charset="0"/>
+                              </a:rPr>
+                              <m:t>𝑟</m:t>
+                            </m:r>
+                          </m:sup>
+                        </m:sSup>
+                      </m:e>
+                    </m:d>
+                    <m:r>
+                      <a:rPr lang="en-GB" b="0" i="1" smtClean="0">
+                        <a:latin typeface="Cambria Math" panose="02040503050406030204" pitchFamily="18" charset="0"/>
+                        <a:ea typeface="Cambria Math" panose="02040503050406030204" pitchFamily="18" charset="0"/>
+                      </a:rPr>
+                      <m:t>∙</m:t>
+                    </m:r>
+                    <m:sSup>
+                      <m:sSupPr>
+                        <m:ctrlPr>
+                          <a:rPr lang="en-GB" b="0" i="1" smtClean="0">
+                            <a:latin typeface="Cambria Math" panose="02040503050406030204" pitchFamily="18" charset="0"/>
+                            <a:ea typeface="Cambria Math" panose="02040503050406030204" pitchFamily="18" charset="0"/>
+                          </a:rPr>
+                        </m:ctrlPr>
+                      </m:sSupPr>
+                      <m:e>
+                        <m:sSup>
+                          <m:sSupPr>
+                            <m:ctrlPr>
+                              <a:rPr lang="en-GB" b="0" i="1" smtClean="0">
+                                <a:latin typeface="Cambria Math" panose="02040503050406030204" pitchFamily="18" charset="0"/>
+                                <a:ea typeface="Cambria Math" panose="02040503050406030204" pitchFamily="18" charset="0"/>
+                              </a:rPr>
+                            </m:ctrlPr>
+                          </m:sSupPr>
+                          <m:e>
+                            <m:d>
+                              <m:dPr>
+                                <m:ctrlPr>
+                                  <a:rPr lang="en-GB" b="0" i="1" smtClean="0">
+                                    <a:latin typeface="Cambria Math" panose="02040503050406030204" pitchFamily="18" charset="0"/>
+                                    <a:ea typeface="Cambria Math" panose="02040503050406030204" pitchFamily="18" charset="0"/>
+                                  </a:rPr>
+                                </m:ctrlPr>
+                              </m:dPr>
+                              <m:e>
+                                <m:sSup>
+                                  <m:sSupPr>
+                                    <m:ctrlPr>
+                                      <a:rPr lang="en-GB" b="0" i="1" smtClean="0">
+                                        <a:latin typeface="Cambria Math" panose="02040503050406030204" pitchFamily="18" charset="0"/>
+                                        <a:ea typeface="Cambria Math" panose="02040503050406030204" pitchFamily="18" charset="0"/>
+                                      </a:rPr>
+                                    </m:ctrlPr>
+                                  </m:sSupPr>
+                                  <m:e>
+                                    <m:r>
+                                      <a:rPr lang="en-GB" b="0" i="1" smtClean="0">
+                                        <a:latin typeface="Cambria Math" panose="02040503050406030204" pitchFamily="18" charset="0"/>
+                                        <a:ea typeface="Cambria Math" panose="02040503050406030204" pitchFamily="18" charset="0"/>
+                                      </a:rPr>
+                                      <m:t>𝑔</m:t>
+                                    </m:r>
+                                  </m:e>
+                                  <m:sup>
+                                    <m:r>
+                                      <a:rPr lang="en-GB" b="0" i="1" smtClean="0">
+                                        <a:latin typeface="Cambria Math" panose="02040503050406030204" pitchFamily="18" charset="0"/>
+                                        <a:ea typeface="Cambria Math" panose="02040503050406030204" pitchFamily="18" charset="0"/>
+                                      </a:rPr>
+                                      <m:t>𝑟</m:t>
+                                    </m:r>
+                                  </m:sup>
+                                </m:sSup>
+                              </m:e>
+                            </m:d>
+                          </m:e>
+                          <m:sup>
+                            <m:r>
+                              <a:rPr lang="en-GB" b="0" i="1" smtClean="0">
+                                <a:latin typeface="Cambria Math" panose="02040503050406030204" pitchFamily="18" charset="0"/>
+                                <a:ea typeface="Cambria Math" panose="02040503050406030204" pitchFamily="18" charset="0"/>
+                              </a:rPr>
+                              <m:t>𝑠𝑘</m:t>
+                            </m:r>
+                          </m:sup>
+                        </m:sSup>
+                      </m:e>
+                      <m:sup>
+                        <m:r>
+                          <a:rPr lang="en-GB" b="0" i="1" smtClean="0">
+                            <a:latin typeface="Cambria Math" panose="02040503050406030204" pitchFamily="18" charset="0"/>
+                            <a:ea typeface="Cambria Math" panose="02040503050406030204" pitchFamily="18" charset="0"/>
+                          </a:rPr>
+                          <m:t>−1</m:t>
+                        </m:r>
+                      </m:sup>
+                    </m:sSup>
+                  </m:oMath>
+                </a14:m>
+                <a:endParaRPr lang="en-GB" b="0" i="1" dirty="0">
+                  <a:latin typeface="Cambria Math" panose="02040503050406030204" pitchFamily="18" charset="0"/>
+                  <a:ea typeface="Cambria Math" panose="02040503050406030204" pitchFamily="18" charset="0"/>
+                </a:endParaRPr>
+              </a:p>
+              <a:p>
+                <a:pPr marL="180975" indent="-180975">
+                  <a:buFont typeface="Cambria Math" panose="02040503050406030204" pitchFamily="18" charset="0"/>
+                  <a:buChar char=" "/>
+                </a:pPr>
+                <a14:m>
+                  <m:oMath xmlns:m="http://schemas.openxmlformats.org/officeDocument/2006/math">
+                    <m:r>
+                      <a:rPr lang="en-GB" b="0" i="1" smtClean="0">
+                        <a:latin typeface="Cambria Math" panose="02040503050406030204" pitchFamily="18" charset="0"/>
+                        <a:ea typeface="Cambria Math" panose="02040503050406030204" pitchFamily="18" charset="0"/>
+                      </a:rPr>
+                      <m:t>=</m:t>
+                    </m:r>
+                    <m:d>
+                      <m:dPr>
+                        <m:ctrlPr>
+                          <a:rPr lang="en-GB" i="1">
+                            <a:latin typeface="Cambria Math" panose="02040503050406030204" pitchFamily="18" charset="0"/>
+                            <a:ea typeface="Cambria Math" panose="02040503050406030204" pitchFamily="18" charset="0"/>
+                          </a:rPr>
+                        </m:ctrlPr>
+                      </m:dPr>
+                      <m:e>
+                        <m:r>
+                          <a:rPr lang="en-GB" i="1">
+                            <a:latin typeface="Cambria Math" panose="02040503050406030204" pitchFamily="18" charset="0"/>
+                            <a:ea typeface="Cambria Math" panose="02040503050406030204" pitchFamily="18" charset="0"/>
+                          </a:rPr>
+                          <m:t>𝑚</m:t>
+                        </m:r>
+                        <m:r>
+                          <a:rPr lang="en-GB" i="1">
+                            <a:latin typeface="Cambria Math" panose="02040503050406030204" pitchFamily="18" charset="0"/>
+                            <a:ea typeface="Cambria Math" panose="02040503050406030204" pitchFamily="18" charset="0"/>
+                          </a:rPr>
+                          <m:t>∙</m:t>
+                        </m:r>
+                        <m:sSup>
+                          <m:sSupPr>
+                            <m:ctrlPr>
+                              <a:rPr lang="en-GB" i="1">
+                                <a:latin typeface="Cambria Math" panose="02040503050406030204" pitchFamily="18" charset="0"/>
+                                <a:ea typeface="Cambria Math" panose="02040503050406030204" pitchFamily="18" charset="0"/>
+                              </a:rPr>
+                            </m:ctrlPr>
+                          </m:sSupPr>
+                          <m:e>
+                            <m:sSup>
+                              <m:sSupPr>
+                                <m:ctrlPr>
+                                  <a:rPr lang="en-GB" b="0" i="1" smtClean="0">
+                                    <a:latin typeface="Cambria Math" panose="02040503050406030204" pitchFamily="18" charset="0"/>
+                                    <a:ea typeface="Cambria Math" panose="02040503050406030204" pitchFamily="18" charset="0"/>
+                                  </a:rPr>
+                                </m:ctrlPr>
+                              </m:sSupPr>
+                              <m:e>
+                                <m:r>
+                                  <a:rPr lang="en-GB" b="0" i="1" smtClean="0">
+                                    <a:latin typeface="Cambria Math" panose="02040503050406030204" pitchFamily="18" charset="0"/>
+                                    <a:ea typeface="Cambria Math" panose="02040503050406030204" pitchFamily="18" charset="0"/>
+                                  </a:rPr>
+                                  <m:t>𝑔</m:t>
+                                </m:r>
+                              </m:e>
+                              <m:sup>
+                                <m:r>
+                                  <a:rPr lang="en-GB" b="0" i="1" smtClean="0">
+                                    <a:latin typeface="Cambria Math" panose="02040503050406030204" pitchFamily="18" charset="0"/>
+                                    <a:ea typeface="Cambria Math" panose="02040503050406030204" pitchFamily="18" charset="0"/>
+                                  </a:rPr>
+                                  <m:t>𝑠𝑘</m:t>
+                                </m:r>
+                              </m:sup>
+                            </m:sSup>
+                          </m:e>
+                          <m:sup>
+                            <m:r>
+                              <a:rPr lang="en-GB" i="1">
+                                <a:latin typeface="Cambria Math" panose="02040503050406030204" pitchFamily="18" charset="0"/>
+                                <a:ea typeface="Cambria Math" panose="02040503050406030204" pitchFamily="18" charset="0"/>
+                              </a:rPr>
+                              <m:t>𝑟</m:t>
+                            </m:r>
+                          </m:sup>
+                        </m:sSup>
+                      </m:e>
+                    </m:d>
+                    <m:r>
+                      <a:rPr lang="en-GB" i="1">
+                        <a:latin typeface="Cambria Math" panose="02040503050406030204" pitchFamily="18" charset="0"/>
+                        <a:ea typeface="Cambria Math" panose="02040503050406030204" pitchFamily="18" charset="0"/>
+                      </a:rPr>
+                      <m:t>∙</m:t>
+                    </m:r>
+                    <m:sSup>
+                      <m:sSupPr>
+                        <m:ctrlPr>
+                          <a:rPr lang="en-GB" i="1">
+                            <a:latin typeface="Cambria Math" panose="02040503050406030204" pitchFamily="18" charset="0"/>
+                            <a:ea typeface="Cambria Math" panose="02040503050406030204" pitchFamily="18" charset="0"/>
+                          </a:rPr>
+                        </m:ctrlPr>
+                      </m:sSupPr>
+                      <m:e>
+                        <m:sSup>
+                          <m:sSupPr>
+                            <m:ctrlPr>
+                              <a:rPr lang="en-GB" i="1">
+                                <a:latin typeface="Cambria Math" panose="02040503050406030204" pitchFamily="18" charset="0"/>
+                                <a:ea typeface="Cambria Math" panose="02040503050406030204" pitchFamily="18" charset="0"/>
+                              </a:rPr>
+                            </m:ctrlPr>
+                          </m:sSupPr>
+                          <m:e>
+                            <m:d>
+                              <m:dPr>
+                                <m:ctrlPr>
+                                  <a:rPr lang="en-GB" i="1">
+                                    <a:latin typeface="Cambria Math" panose="02040503050406030204" pitchFamily="18" charset="0"/>
+                                    <a:ea typeface="Cambria Math" panose="02040503050406030204" pitchFamily="18" charset="0"/>
+                                  </a:rPr>
+                                </m:ctrlPr>
+                              </m:dPr>
+                              <m:e>
+                                <m:sSup>
+                                  <m:sSupPr>
+                                    <m:ctrlPr>
+                                      <a:rPr lang="en-GB" i="1">
+                                        <a:latin typeface="Cambria Math" panose="02040503050406030204" pitchFamily="18" charset="0"/>
+                                        <a:ea typeface="Cambria Math" panose="02040503050406030204" pitchFamily="18" charset="0"/>
+                                      </a:rPr>
+                                    </m:ctrlPr>
+                                  </m:sSupPr>
+                                  <m:e>
+                                    <m:r>
+                                      <a:rPr lang="en-GB" i="1">
+                                        <a:latin typeface="Cambria Math" panose="02040503050406030204" pitchFamily="18" charset="0"/>
+                                        <a:ea typeface="Cambria Math" panose="02040503050406030204" pitchFamily="18" charset="0"/>
+                                      </a:rPr>
+                                      <m:t>𝑔</m:t>
+                                    </m:r>
+                                  </m:e>
+                                  <m:sup>
+                                    <m:r>
+                                      <a:rPr lang="en-GB" i="1">
+                                        <a:latin typeface="Cambria Math" panose="02040503050406030204" pitchFamily="18" charset="0"/>
+                                        <a:ea typeface="Cambria Math" panose="02040503050406030204" pitchFamily="18" charset="0"/>
+                                      </a:rPr>
+                                      <m:t>𝑟</m:t>
+                                    </m:r>
+                                  </m:sup>
+                                </m:sSup>
+                              </m:e>
+                            </m:d>
+                          </m:e>
+                          <m:sup>
+                            <m:r>
+                              <a:rPr lang="en-GB" i="1">
+                                <a:latin typeface="Cambria Math" panose="02040503050406030204" pitchFamily="18" charset="0"/>
+                                <a:ea typeface="Cambria Math" panose="02040503050406030204" pitchFamily="18" charset="0"/>
+                              </a:rPr>
+                              <m:t>𝑠𝑘</m:t>
+                            </m:r>
+                          </m:sup>
+                        </m:sSup>
+                      </m:e>
+                      <m:sup>
+                        <m:r>
+                          <a:rPr lang="en-GB" i="1">
+                            <a:latin typeface="Cambria Math" panose="02040503050406030204" pitchFamily="18" charset="0"/>
+                            <a:ea typeface="Cambria Math" panose="02040503050406030204" pitchFamily="18" charset="0"/>
+                          </a:rPr>
+                          <m:t>−1</m:t>
+                        </m:r>
+                      </m:sup>
+                    </m:sSup>
+                  </m:oMath>
+                </a14:m>
+                <a:endParaRPr lang="en-GB" i="1" dirty="0">
+                  <a:latin typeface="Cambria Math" panose="02040503050406030204" pitchFamily="18" charset="0"/>
+                  <a:ea typeface="Cambria Math" panose="02040503050406030204" pitchFamily="18" charset="0"/>
+                </a:endParaRPr>
+              </a:p>
+              <a:p>
+                <a:pPr marL="180975" indent="-180975">
+                  <a:buFont typeface="Cambria Math" panose="02040503050406030204" pitchFamily="18" charset="0"/>
+                  <a:buChar char=" "/>
+                </a:pPr>
+                <a14:m>
+                  <m:oMath xmlns:m="http://schemas.openxmlformats.org/officeDocument/2006/math">
+                    <m:r>
+                      <a:rPr lang="en-GB" b="0" i="1" smtClean="0">
+                        <a:latin typeface="Cambria Math" panose="02040503050406030204" pitchFamily="18" charset="0"/>
+                        <a:ea typeface="Cambria Math" panose="02040503050406030204" pitchFamily="18" charset="0"/>
+                      </a:rPr>
+                      <m:t>=</m:t>
+                    </m:r>
+                    <m:r>
+                      <a:rPr lang="en-GB" b="0" i="1" smtClean="0">
+                        <a:latin typeface="Cambria Math" panose="02040503050406030204" pitchFamily="18" charset="0"/>
+                        <a:ea typeface="Cambria Math" panose="02040503050406030204" pitchFamily="18" charset="0"/>
+                      </a:rPr>
+                      <m:t>𝑚</m:t>
+                    </m:r>
+                  </m:oMath>
+                </a14:m>
+                <a:endParaRPr lang="en-GB" dirty="0"/>
+              </a:p>
+              <a:p>
+                <a:pPr marL="0" indent="0">
+                  <a:buNone/>
+                </a:pPr>
+                <a:endParaRPr lang="en-GB" dirty="0"/>
+              </a:p>
+              <a:p>
+                <a:pPr marL="0" indent="0">
+                  <a:buNone/>
+                </a:pPr>
+                <a:r>
+                  <a:rPr lang="en-GB" dirty="0"/>
+                  <a:t>All operations </a:t>
+                </a:r>
+                <a14:m>
+                  <m:oMath xmlns:m="http://schemas.openxmlformats.org/officeDocument/2006/math">
+                    <m:r>
+                      <m:rPr>
+                        <m:nor/>
+                      </m:rPr>
+                      <a:rPr lang="en-GB" b="0" i="0" smtClean="0">
+                        <a:latin typeface="Cambria Math" panose="02040503050406030204" pitchFamily="18" charset="0"/>
+                      </a:rPr>
+                      <m:t>mod</m:t>
+                    </m:r>
+                    <m:r>
+                      <a:rPr lang="en-GB" b="0" i="1" smtClean="0">
+                        <a:latin typeface="Cambria Math" panose="02040503050406030204" pitchFamily="18" charset="0"/>
+                      </a:rPr>
+                      <m:t> </m:t>
+                    </m:r>
+                    <m:d>
+                      <m:dPr>
+                        <m:ctrlPr>
+                          <a:rPr lang="en-GB" b="0" i="1" smtClean="0">
+                            <a:latin typeface="Cambria Math" panose="02040503050406030204" pitchFamily="18" charset="0"/>
+                          </a:rPr>
+                        </m:ctrlPr>
+                      </m:dPr>
+                      <m:e>
+                        <m:r>
+                          <a:rPr lang="en-GB" b="0" i="1" smtClean="0">
+                            <a:latin typeface="Cambria Math" panose="02040503050406030204" pitchFamily="18" charset="0"/>
+                          </a:rPr>
+                          <m:t>𝑝</m:t>
+                        </m:r>
+                      </m:e>
+                    </m:d>
+                  </m:oMath>
+                </a14:m>
+                <a:endParaRPr lang="en-GB" dirty="0"/>
+              </a:p>
+            </p:txBody>
+          </p:sp>
+        </mc:Choice>
+        <mc:Fallback>
+          <p:sp>
+            <p:nvSpPr>
+              <p:cNvPr id="3" name="Content Placeholder 2">
+                <a:extLst>
+                  <a:ext uri="{FF2B5EF4-FFF2-40B4-BE49-F238E27FC236}">
+                    <a16:creationId xmlns:a16="http://schemas.microsoft.com/office/drawing/2014/main" id="{D6AA1D69-98E5-A321-D75E-C29A5DFC49C6}"/>
+                  </a:ext>
+                </a:extLst>
+              </p:cNvPr>
+              <p:cNvSpPr>
+                <a:spLocks noGrp="1" noRot="1" noChangeAspect="1" noMove="1" noResize="1" noEditPoints="1" noAdjustHandles="1" noChangeArrowheads="1" noChangeShapeType="1" noTextEdit="1"/>
+              </p:cNvSpPr>
+              <p:nvPr>
+                <p:ph idx="1"/>
+              </p:nvPr>
+            </p:nvSpPr>
+            <p:spPr>
+              <a:xfrm>
+                <a:off x="1261872" y="1820863"/>
+                <a:ext cx="8595360" cy="4351337"/>
+              </a:xfrm>
+              <a:blipFill>
+                <a:blip r:embed="rId2"/>
+                <a:stretch>
+                  <a:fillRect l="-567" t="-1120"/>
+                </a:stretch>
+              </a:blipFill>
+            </p:spPr>
+            <p:txBody>
+              <a:bodyPr/>
+              <a:lstStyle/>
+              <a:p>
+                <a:r>
+                  <a:rPr lang="en-GB">
+                    <a:noFill/>
+                  </a:rPr>
+                  <a:t> </a:t>
+                </a:r>
+              </a:p>
+            </p:txBody>
+          </p:sp>
+        </mc:Fallback>
+      </mc:AlternateContent>
+      <p:sp>
+        <p:nvSpPr>
+          <p:cNvPr id="4" name="Slide Number Placeholder 3">
+            <a:extLst>
+              <a:ext uri="{FF2B5EF4-FFF2-40B4-BE49-F238E27FC236}">
+                <a16:creationId xmlns:a16="http://schemas.microsoft.com/office/drawing/2014/main" id="{E324FDDE-F6C3-EA4B-F792-5A99B27DA9BF}"/>
+              </a:ext>
+            </a:extLst>
+          </p:cNvPr>
+          <p:cNvSpPr>
+            <a:spLocks noGrp="1"/>
+          </p:cNvSpPr>
+          <p:nvPr>
+            <p:ph type="sldNum" sz="quarter" idx="12"/>
+          </p:nvPr>
+        </p:nvSpPr>
+        <p:spPr/>
+        <p:txBody>
+          <a:bodyPr>
+            <a:normAutofit lnSpcReduction="10000"/>
+          </a:bodyPr>
+          <a:lstStyle/>
+          <a:p>
+            <a:fld id="{05FD7838-569C-4EAB-98FE-B3CDE1C02B93}" type="slidenum">
+              <a:rPr lang="en-GB" smtClean="0"/>
+              <a:t>44</a:t>
+            </a:fld>
+            <a:endParaRPr lang="en-GB" dirty="0"/>
+          </a:p>
+        </p:txBody>
+      </p:sp>
+    </p:spTree>
+    <p:extLst>
+      <p:ext uri="{BB962C8B-B14F-4D97-AF65-F5344CB8AC3E}">
+        <p14:creationId xmlns:p14="http://schemas.microsoft.com/office/powerpoint/2010/main" val="2879396878"/>
+      </p:ext>
+    </p:extLst>
+  </p:cSld>
+  <p:clrMapOvr>
+    <a:masterClrMapping/>
+  </p:clrMapOvr>
+</p:sld>
+</file>
+
+<file path=ppt/slides/slide45.xml><?xml version="1.0" encoding="utf-8"?>
+<p:sld xmlns:a="http://schemas.openxmlformats.org/drawingml/2006/main" xmlns:r="http://schemas.openxmlformats.org/officeDocument/2006/relationships" xmlns:p="http://schemas.openxmlformats.org/presentationml/2006/main">
+  <p:cSld>
+    <p:spTree>
+      <p:nvGrpSpPr>
+        <p:cNvPr id="1" name=""/>
+        <p:cNvGrpSpPr/>
+        <p:nvPr/>
+      </p:nvGrpSpPr>
+      <p:grpSpPr>
+        <a:xfrm>
+          <a:off x="0" y="0"/>
+          <a:ext cx="0" cy="0"/>
+          <a:chOff x="0" y="0"/>
+          <a:chExt cx="0" cy="0"/>
+        </a:xfrm>
+      </p:grpSpPr>
+      <p:sp>
+        <p:nvSpPr>
+          <p:cNvPr id="2" name="Title 1">
+            <a:extLst>
+              <a:ext uri="{FF2B5EF4-FFF2-40B4-BE49-F238E27FC236}">
+                <a16:creationId xmlns:a16="http://schemas.microsoft.com/office/drawing/2014/main" id="{5315C9E0-042B-01AC-2C6D-D153D7C90C2D}"/>
+              </a:ext>
+            </a:extLst>
+          </p:cNvPr>
+          <p:cNvSpPr>
+            <a:spLocks noGrp="1"/>
+          </p:cNvSpPr>
+          <p:nvPr>
+            <p:ph type="title"/>
+          </p:nvPr>
+        </p:nvSpPr>
+        <p:spPr/>
+        <p:txBody>
+          <a:bodyPr/>
+          <a:lstStyle/>
+          <a:p>
+            <a:r>
+              <a:rPr lang="en-GB" dirty="0"/>
+              <a:t>Homomorphic El Gamal: Correctness II</a:t>
+            </a:r>
+          </a:p>
+        </p:txBody>
+      </p:sp>
+      <mc:AlternateContent xmlns:mc="http://schemas.openxmlformats.org/markup-compatibility/2006">
+        <mc:Choice xmlns:a14="http://schemas.microsoft.com/office/drawing/2010/main" Requires="a14">
+          <p:sp>
+            <p:nvSpPr>
+              <p:cNvPr id="3" name="Content Placeholder 2">
+                <a:extLst>
+                  <a:ext uri="{FF2B5EF4-FFF2-40B4-BE49-F238E27FC236}">
+                    <a16:creationId xmlns:a16="http://schemas.microsoft.com/office/drawing/2014/main" id="{4AB761B6-0767-1132-446B-C426ACA2F6DD}"/>
+                  </a:ext>
+                </a:extLst>
+              </p:cNvPr>
+              <p:cNvSpPr>
+                <a:spLocks noGrp="1"/>
+              </p:cNvSpPr>
+              <p:nvPr>
+                <p:ph idx="1"/>
+              </p:nvPr>
+            </p:nvSpPr>
+            <p:spPr>
+              <a:xfrm>
+                <a:off x="1261872" y="1820863"/>
+                <a:ext cx="8595360" cy="4351337"/>
+              </a:xfrm>
+            </p:spPr>
+            <p:txBody>
+              <a:bodyPr/>
+              <a:lstStyle/>
+              <a:p>
+                <a:r>
+                  <a:rPr lang="en-GB" dirty="0"/>
+                  <a:t>Homomorphic property:</a:t>
+                </a:r>
+              </a:p>
+              <a:p>
+                <a:pPr marL="182563" indent="-182563">
+                  <a:buFont typeface="Cambria Math" panose="02040503050406030204" pitchFamily="18" charset="0"/>
+                  <a:buChar char=" "/>
+                </a:pPr>
+                <a14:m>
+                  <m:oMath xmlns:m="http://schemas.openxmlformats.org/officeDocument/2006/math">
+                    <m:sSub>
+                      <m:sSubPr>
+                        <m:ctrlPr>
+                          <a:rPr lang="en-GB" i="1">
+                            <a:latin typeface="Cambria Math" panose="02040503050406030204" pitchFamily="18" charset="0"/>
+                          </a:rPr>
+                        </m:ctrlPr>
+                      </m:sSubPr>
+                      <m:e>
+                        <m:r>
+                          <a:rPr lang="en-GB" i="1">
+                            <a:latin typeface="Cambria Math" panose="02040503050406030204" pitchFamily="18" charset="0"/>
+                          </a:rPr>
+                          <m:t>𝑐</m:t>
+                        </m:r>
+                      </m:e>
+                      <m:sub>
+                        <m:r>
+                          <a:rPr lang="en-GB" i="1">
+                            <a:latin typeface="Cambria Math" panose="02040503050406030204" pitchFamily="18" charset="0"/>
+                          </a:rPr>
+                          <m:t>1</m:t>
+                        </m:r>
+                      </m:sub>
+                    </m:sSub>
+                    <m:r>
+                      <a:rPr lang="en-GB" i="1">
+                        <a:latin typeface="Cambria Math" panose="02040503050406030204" pitchFamily="18" charset="0"/>
+                      </a:rPr>
+                      <m:t>⋅</m:t>
+                    </m:r>
+                    <m:sSub>
+                      <m:sSubPr>
+                        <m:ctrlPr>
+                          <a:rPr lang="en-GB" i="1">
+                            <a:latin typeface="Cambria Math" panose="02040503050406030204" pitchFamily="18" charset="0"/>
+                          </a:rPr>
+                        </m:ctrlPr>
+                      </m:sSubPr>
+                      <m:e>
+                        <m:r>
+                          <a:rPr lang="en-GB" i="1">
+                            <a:latin typeface="Cambria Math" panose="02040503050406030204" pitchFamily="18" charset="0"/>
+                          </a:rPr>
+                          <m:t>𝑐</m:t>
+                        </m:r>
+                      </m:e>
+                      <m:sub>
+                        <m:r>
+                          <a:rPr lang="en-GB" i="1">
+                            <a:latin typeface="Cambria Math" panose="02040503050406030204" pitchFamily="18" charset="0"/>
+                          </a:rPr>
+                          <m:t>2</m:t>
+                        </m:r>
+                      </m:sub>
+                    </m:sSub>
+                    <m:r>
+                      <a:rPr lang="en-GB" i="1">
+                        <a:latin typeface="Cambria Math" panose="02040503050406030204" pitchFamily="18" charset="0"/>
+                      </a:rPr>
+                      <m:t>=</m:t>
+                    </m:r>
+                    <m:sSup>
+                      <m:sSupPr>
+                        <m:ctrlPr>
+                          <a:rPr lang="en-GB" i="1">
+                            <a:latin typeface="Cambria Math" panose="02040503050406030204" pitchFamily="18" charset="0"/>
+                          </a:rPr>
+                        </m:ctrlPr>
+                      </m:sSupPr>
+                      <m:e>
+                        <m:r>
+                          <a:rPr lang="en-GB" i="1">
+                            <a:latin typeface="Cambria Math" panose="02040503050406030204" pitchFamily="18" charset="0"/>
+                          </a:rPr>
+                          <m:t>𝑔</m:t>
+                        </m:r>
+                      </m:e>
+                      <m:sup>
+                        <m:sSub>
+                          <m:sSubPr>
+                            <m:ctrlPr>
+                              <a:rPr lang="en-GB" i="1">
+                                <a:latin typeface="Cambria Math" panose="02040503050406030204" pitchFamily="18" charset="0"/>
+                              </a:rPr>
+                            </m:ctrlPr>
+                          </m:sSubPr>
+                          <m:e>
+                            <m:r>
+                              <a:rPr lang="en-GB" i="1">
+                                <a:latin typeface="Cambria Math" panose="02040503050406030204" pitchFamily="18" charset="0"/>
+                              </a:rPr>
+                              <m:t>𝑟</m:t>
+                            </m:r>
+                          </m:e>
+                          <m:sub>
+                            <m:r>
+                              <a:rPr lang="en-GB" i="1">
+                                <a:latin typeface="Cambria Math" panose="02040503050406030204" pitchFamily="18" charset="0"/>
+                              </a:rPr>
+                              <m:t>1</m:t>
+                            </m:r>
+                          </m:sub>
+                        </m:sSub>
+                      </m:sup>
+                    </m:sSup>
+                    <m:r>
+                      <a:rPr lang="en-GB" i="1">
+                        <a:latin typeface="Cambria Math" panose="02040503050406030204" pitchFamily="18" charset="0"/>
+                      </a:rPr>
+                      <m:t>⋅</m:t>
+                    </m:r>
+                    <m:sSup>
+                      <m:sSupPr>
+                        <m:ctrlPr>
+                          <a:rPr lang="en-GB" i="1">
+                            <a:latin typeface="Cambria Math" panose="02040503050406030204" pitchFamily="18" charset="0"/>
+                          </a:rPr>
+                        </m:ctrlPr>
+                      </m:sSupPr>
+                      <m:e>
+                        <m:r>
+                          <a:rPr lang="en-GB" i="1">
+                            <a:latin typeface="Cambria Math" panose="02040503050406030204" pitchFamily="18" charset="0"/>
+                          </a:rPr>
+                          <m:t>𝑔</m:t>
+                        </m:r>
+                      </m:e>
+                      <m:sup>
+                        <m:sSub>
+                          <m:sSubPr>
+                            <m:ctrlPr>
+                              <a:rPr lang="en-GB" i="1">
+                                <a:latin typeface="Cambria Math" panose="02040503050406030204" pitchFamily="18" charset="0"/>
+                              </a:rPr>
+                            </m:ctrlPr>
+                          </m:sSubPr>
+                          <m:e>
+                            <m:r>
+                              <a:rPr lang="en-GB" i="1">
+                                <a:latin typeface="Cambria Math" panose="02040503050406030204" pitchFamily="18" charset="0"/>
+                              </a:rPr>
+                              <m:t>𝑟</m:t>
+                            </m:r>
+                          </m:e>
+                          <m:sub>
+                            <m:r>
+                              <a:rPr lang="en-GB" i="1">
+                                <a:latin typeface="Cambria Math" panose="02040503050406030204" pitchFamily="18" charset="0"/>
+                              </a:rPr>
+                              <m:t>2</m:t>
+                            </m:r>
+                          </m:sub>
+                        </m:sSub>
+                      </m:sup>
+                    </m:sSup>
+                  </m:oMath>
+                </a14:m>
+                <a:endParaRPr lang="en-GB" i="1" dirty="0">
+                  <a:latin typeface="Cambria Math" panose="02040503050406030204" pitchFamily="18" charset="0"/>
+                </a:endParaRPr>
+              </a:p>
+              <a:p>
+                <a:pPr marL="182563" indent="-182563">
+                  <a:buFont typeface="Cambria Math" panose="02040503050406030204" pitchFamily="18" charset="0"/>
+                  <a:buChar char=" "/>
+                </a:pPr>
+                <a14:m>
+                  <m:oMath xmlns:m="http://schemas.openxmlformats.org/officeDocument/2006/math">
+                    <m:sSub>
+                      <m:sSubPr>
+                        <m:ctrlPr>
+                          <a:rPr lang="en-GB" b="0" i="1" smtClean="0">
+                            <a:latin typeface="Cambria Math" panose="02040503050406030204" pitchFamily="18" charset="0"/>
+                          </a:rPr>
+                        </m:ctrlPr>
+                      </m:sSubPr>
+                      <m:e>
+                        <m:r>
+                          <a:rPr lang="en-GB" b="0" i="1" smtClean="0">
+                            <a:latin typeface="Cambria Math" panose="02040503050406030204" pitchFamily="18" charset="0"/>
+                          </a:rPr>
+                          <m:t>𝑑</m:t>
+                        </m:r>
+                      </m:e>
+                      <m:sub>
+                        <m:r>
+                          <a:rPr lang="en-GB" b="0" i="1" smtClean="0">
+                            <a:latin typeface="Cambria Math" panose="02040503050406030204" pitchFamily="18" charset="0"/>
+                          </a:rPr>
+                          <m:t>1</m:t>
+                        </m:r>
+                      </m:sub>
+                    </m:sSub>
+                    <m:r>
+                      <a:rPr lang="en-GB" b="0" i="1" smtClean="0">
+                        <a:latin typeface="Cambria Math" panose="02040503050406030204" pitchFamily="18" charset="0"/>
+                      </a:rPr>
+                      <m:t>⋅</m:t>
+                    </m:r>
+                    <m:sSub>
+                      <m:sSubPr>
+                        <m:ctrlPr>
+                          <a:rPr lang="en-GB" b="0" i="1" smtClean="0">
+                            <a:latin typeface="Cambria Math" panose="02040503050406030204" pitchFamily="18" charset="0"/>
+                          </a:rPr>
+                        </m:ctrlPr>
+                      </m:sSubPr>
+                      <m:e>
+                        <m:r>
+                          <a:rPr lang="en-GB" b="0" i="1" smtClean="0">
+                            <a:latin typeface="Cambria Math" panose="02040503050406030204" pitchFamily="18" charset="0"/>
+                          </a:rPr>
+                          <m:t>𝑑</m:t>
+                        </m:r>
+                      </m:e>
+                      <m:sub>
+                        <m:r>
+                          <a:rPr lang="en-GB" b="0" i="1" smtClean="0">
+                            <a:latin typeface="Cambria Math" panose="02040503050406030204" pitchFamily="18" charset="0"/>
+                          </a:rPr>
+                          <m:t>2</m:t>
+                        </m:r>
+                      </m:sub>
+                    </m:sSub>
+                    <m:r>
+                      <a:rPr lang="en-GB" b="0" i="1" smtClean="0">
+                        <a:latin typeface="Cambria Math" panose="02040503050406030204" pitchFamily="18" charset="0"/>
+                      </a:rPr>
+                      <m:t>=</m:t>
+                    </m:r>
+                    <m:sSub>
+                      <m:sSubPr>
+                        <m:ctrlPr>
+                          <a:rPr lang="en-GB" b="0" i="1" smtClean="0">
+                            <a:latin typeface="Cambria Math" panose="02040503050406030204" pitchFamily="18" charset="0"/>
+                          </a:rPr>
+                        </m:ctrlPr>
+                      </m:sSubPr>
+                      <m:e>
+                        <m:r>
+                          <a:rPr lang="en-GB" b="0" i="1" smtClean="0">
+                            <a:latin typeface="Cambria Math" panose="02040503050406030204" pitchFamily="18" charset="0"/>
+                          </a:rPr>
+                          <m:t>𝑚</m:t>
+                        </m:r>
+                      </m:e>
+                      <m:sub>
+                        <m:r>
+                          <a:rPr lang="en-GB" b="0" i="1" smtClean="0">
+                            <a:latin typeface="Cambria Math" panose="02040503050406030204" pitchFamily="18" charset="0"/>
+                          </a:rPr>
+                          <m:t>1</m:t>
+                        </m:r>
+                      </m:sub>
+                    </m:sSub>
+                    <m:r>
+                      <a:rPr lang="en-GB" b="0" i="1" smtClean="0">
+                        <a:latin typeface="Cambria Math" panose="02040503050406030204" pitchFamily="18" charset="0"/>
+                      </a:rPr>
+                      <m:t>⋅</m:t>
+                    </m:r>
+                    <m:r>
+                      <a:rPr lang="en-GB" b="0" i="1" smtClean="0">
+                        <a:latin typeface="Cambria Math" panose="02040503050406030204" pitchFamily="18" charset="0"/>
+                      </a:rPr>
+                      <m:t>𝑝</m:t>
+                    </m:r>
+                    <m:sSup>
+                      <m:sSupPr>
+                        <m:ctrlPr>
+                          <a:rPr lang="en-GB" b="0" i="1" smtClean="0">
+                            <a:latin typeface="Cambria Math" panose="02040503050406030204" pitchFamily="18" charset="0"/>
+                          </a:rPr>
+                        </m:ctrlPr>
+                      </m:sSupPr>
+                      <m:e>
+                        <m:r>
+                          <a:rPr lang="en-GB" b="0" i="1" smtClean="0">
+                            <a:latin typeface="Cambria Math" panose="02040503050406030204" pitchFamily="18" charset="0"/>
+                          </a:rPr>
+                          <m:t>𝑘</m:t>
+                        </m:r>
+                      </m:e>
+                      <m:sup>
+                        <m:sSub>
+                          <m:sSubPr>
+                            <m:ctrlPr>
+                              <a:rPr lang="en-GB" b="0" i="1" smtClean="0">
+                                <a:latin typeface="Cambria Math" panose="02040503050406030204" pitchFamily="18" charset="0"/>
+                              </a:rPr>
+                            </m:ctrlPr>
+                          </m:sSubPr>
+                          <m:e>
+                            <m:r>
+                              <a:rPr lang="en-GB" b="0" i="1" smtClean="0">
+                                <a:latin typeface="Cambria Math" panose="02040503050406030204" pitchFamily="18" charset="0"/>
+                              </a:rPr>
+                              <m:t>𝑟</m:t>
+                            </m:r>
+                          </m:e>
+                          <m:sub>
+                            <m:r>
+                              <a:rPr lang="en-GB" b="0" i="1" smtClean="0">
+                                <a:latin typeface="Cambria Math" panose="02040503050406030204" pitchFamily="18" charset="0"/>
+                              </a:rPr>
+                              <m:t>1</m:t>
+                            </m:r>
+                          </m:sub>
+                        </m:sSub>
+                      </m:sup>
+                    </m:sSup>
+                    <m:r>
+                      <a:rPr lang="en-GB" b="0" i="1" smtClean="0">
+                        <a:latin typeface="Cambria Math" panose="02040503050406030204" pitchFamily="18" charset="0"/>
+                      </a:rPr>
+                      <m:t>⋅</m:t>
+                    </m:r>
+                    <m:sSub>
+                      <m:sSubPr>
+                        <m:ctrlPr>
+                          <a:rPr lang="en-GB" b="0" i="1" smtClean="0">
+                            <a:latin typeface="Cambria Math" panose="02040503050406030204" pitchFamily="18" charset="0"/>
+                          </a:rPr>
+                        </m:ctrlPr>
+                      </m:sSubPr>
+                      <m:e>
+                        <m:r>
+                          <a:rPr lang="en-GB" b="0" i="1" smtClean="0">
+                            <a:latin typeface="Cambria Math" panose="02040503050406030204" pitchFamily="18" charset="0"/>
+                          </a:rPr>
+                          <m:t>𝑚</m:t>
+                        </m:r>
+                      </m:e>
+                      <m:sub>
+                        <m:r>
+                          <a:rPr lang="en-GB" b="0" i="1" smtClean="0">
+                            <a:latin typeface="Cambria Math" panose="02040503050406030204" pitchFamily="18" charset="0"/>
+                          </a:rPr>
+                          <m:t>2</m:t>
+                        </m:r>
+                      </m:sub>
+                    </m:sSub>
+                    <m:r>
+                      <a:rPr lang="en-GB" b="0" i="1" smtClean="0">
+                        <a:latin typeface="Cambria Math" panose="02040503050406030204" pitchFamily="18" charset="0"/>
+                      </a:rPr>
+                      <m:t>⋅</m:t>
+                    </m:r>
+                    <m:r>
+                      <a:rPr lang="en-GB" b="0" i="1" smtClean="0">
+                        <a:latin typeface="Cambria Math" panose="02040503050406030204" pitchFamily="18" charset="0"/>
+                      </a:rPr>
+                      <m:t>𝑝</m:t>
+                    </m:r>
+                    <m:sSup>
+                      <m:sSupPr>
+                        <m:ctrlPr>
+                          <a:rPr lang="en-GB" b="0" i="1" smtClean="0">
+                            <a:latin typeface="Cambria Math" panose="02040503050406030204" pitchFamily="18" charset="0"/>
+                          </a:rPr>
+                        </m:ctrlPr>
+                      </m:sSupPr>
+                      <m:e>
+                        <m:r>
+                          <a:rPr lang="en-GB" b="0" i="1" smtClean="0">
+                            <a:latin typeface="Cambria Math" panose="02040503050406030204" pitchFamily="18" charset="0"/>
+                          </a:rPr>
+                          <m:t>𝑘</m:t>
+                        </m:r>
+                      </m:e>
+                      <m:sup>
+                        <m:sSub>
+                          <m:sSubPr>
+                            <m:ctrlPr>
+                              <a:rPr lang="en-GB" b="0" i="1" smtClean="0">
+                                <a:latin typeface="Cambria Math" panose="02040503050406030204" pitchFamily="18" charset="0"/>
+                              </a:rPr>
+                            </m:ctrlPr>
+                          </m:sSubPr>
+                          <m:e>
+                            <m:r>
+                              <a:rPr lang="en-GB" b="0" i="1" smtClean="0">
+                                <a:latin typeface="Cambria Math" panose="02040503050406030204" pitchFamily="18" charset="0"/>
+                              </a:rPr>
+                              <m:t>𝑟</m:t>
+                            </m:r>
+                          </m:e>
+                          <m:sub>
+                            <m:r>
+                              <a:rPr lang="en-GB" b="0" i="1" smtClean="0">
+                                <a:latin typeface="Cambria Math" panose="02040503050406030204" pitchFamily="18" charset="0"/>
+                              </a:rPr>
+                              <m:t>2</m:t>
+                            </m:r>
+                          </m:sub>
+                        </m:sSub>
+                      </m:sup>
+                    </m:sSup>
+                  </m:oMath>
+                </a14:m>
+                <a:endParaRPr lang="en-GB" dirty="0"/>
+              </a:p>
+              <a:p>
+                <a:pPr>
+                  <a:buFont typeface="Calibri" panose="020F0502020204030204" pitchFamily="34" charset="0"/>
+                  <a:buChar char=" "/>
+                </a:pPr>
+                <a:r>
+                  <a:rPr lang="en-GB" dirty="0"/>
+                  <a:t>Decrypt: </a:t>
+                </a:r>
+                <a14:m>
+                  <m:oMath xmlns:m="http://schemas.openxmlformats.org/officeDocument/2006/math">
+                    <m:sSub>
+                      <m:sSubPr>
+                        <m:ctrlPr>
+                          <a:rPr lang="en-GB" b="0" i="1" smtClean="0">
+                            <a:latin typeface="Cambria Math" panose="02040503050406030204" pitchFamily="18" charset="0"/>
+                          </a:rPr>
+                        </m:ctrlPr>
+                      </m:sSubPr>
+                      <m:e>
+                        <m:r>
+                          <a:rPr lang="en-GB" b="0" i="1" smtClean="0">
+                            <a:latin typeface="Cambria Math" panose="02040503050406030204" pitchFamily="18" charset="0"/>
+                          </a:rPr>
+                          <m:t>𝑑</m:t>
+                        </m:r>
+                      </m:e>
+                      <m:sub>
+                        <m:r>
+                          <a:rPr lang="en-GB" b="0" i="1" smtClean="0">
+                            <a:latin typeface="Cambria Math" panose="02040503050406030204" pitchFamily="18" charset="0"/>
+                          </a:rPr>
+                          <m:t>1</m:t>
+                        </m:r>
+                      </m:sub>
+                    </m:sSub>
+                    <m:r>
+                      <a:rPr lang="en-GB" b="0" i="1" smtClean="0">
+                        <a:latin typeface="Cambria Math" panose="02040503050406030204" pitchFamily="18" charset="0"/>
+                      </a:rPr>
+                      <m:t>⋅</m:t>
+                    </m:r>
+                    <m:sSub>
+                      <m:sSubPr>
+                        <m:ctrlPr>
+                          <a:rPr lang="en-GB" b="0" i="1" smtClean="0">
+                            <a:latin typeface="Cambria Math" panose="02040503050406030204" pitchFamily="18" charset="0"/>
+                          </a:rPr>
+                        </m:ctrlPr>
+                      </m:sSubPr>
+                      <m:e>
+                        <m:r>
+                          <a:rPr lang="en-GB" b="0" i="1" smtClean="0">
+                            <a:latin typeface="Cambria Math" panose="02040503050406030204" pitchFamily="18" charset="0"/>
+                          </a:rPr>
+                          <m:t>𝑑</m:t>
+                        </m:r>
+                      </m:e>
+                      <m:sub>
+                        <m:r>
+                          <a:rPr lang="en-GB" b="0" i="1" smtClean="0">
+                            <a:latin typeface="Cambria Math" panose="02040503050406030204" pitchFamily="18" charset="0"/>
+                          </a:rPr>
+                          <m:t>2</m:t>
+                        </m:r>
+                      </m:sub>
+                    </m:sSub>
+                    <m:r>
+                      <a:rPr lang="en-GB" b="0" i="1" smtClean="0">
+                        <a:latin typeface="Cambria Math" panose="02040503050406030204" pitchFamily="18" charset="0"/>
+                      </a:rPr>
+                      <m:t>⋅</m:t>
+                    </m:r>
+                    <m:sSup>
+                      <m:sSupPr>
+                        <m:ctrlPr>
+                          <a:rPr lang="en-GB" b="0" i="1" smtClean="0">
+                            <a:latin typeface="Cambria Math" panose="02040503050406030204" pitchFamily="18" charset="0"/>
+                          </a:rPr>
+                        </m:ctrlPr>
+                      </m:sSupPr>
+                      <m:e>
+                        <m:sSup>
+                          <m:sSupPr>
+                            <m:ctrlPr>
+                              <a:rPr lang="en-GB" b="0" i="1" smtClean="0">
+                                <a:latin typeface="Cambria Math" panose="02040503050406030204" pitchFamily="18" charset="0"/>
+                              </a:rPr>
+                            </m:ctrlPr>
+                          </m:sSupPr>
+                          <m:e>
+                            <m:d>
+                              <m:dPr>
+                                <m:ctrlPr>
+                                  <a:rPr lang="en-GB" b="0" i="1" smtClean="0">
+                                    <a:latin typeface="Cambria Math" panose="02040503050406030204" pitchFamily="18" charset="0"/>
+                                  </a:rPr>
+                                </m:ctrlPr>
+                              </m:dPr>
+                              <m:e>
+                                <m:sSup>
+                                  <m:sSupPr>
+                                    <m:ctrlPr>
+                                      <a:rPr lang="en-GB" i="1">
+                                        <a:latin typeface="Cambria Math" panose="02040503050406030204" pitchFamily="18" charset="0"/>
+                                      </a:rPr>
+                                    </m:ctrlPr>
+                                  </m:sSupPr>
+                                  <m:e>
+                                    <m:r>
+                                      <a:rPr lang="en-GB" i="1">
+                                        <a:latin typeface="Cambria Math" panose="02040503050406030204" pitchFamily="18" charset="0"/>
+                                      </a:rPr>
+                                      <m:t>𝑔</m:t>
+                                    </m:r>
+                                  </m:e>
+                                  <m:sup>
+                                    <m:sSub>
+                                      <m:sSubPr>
+                                        <m:ctrlPr>
+                                          <a:rPr lang="en-GB" i="1">
+                                            <a:latin typeface="Cambria Math" panose="02040503050406030204" pitchFamily="18" charset="0"/>
+                                          </a:rPr>
+                                        </m:ctrlPr>
+                                      </m:sSubPr>
+                                      <m:e>
+                                        <m:r>
+                                          <a:rPr lang="en-GB" i="1">
+                                            <a:latin typeface="Cambria Math" panose="02040503050406030204" pitchFamily="18" charset="0"/>
+                                          </a:rPr>
+                                          <m:t>𝑟</m:t>
+                                        </m:r>
+                                      </m:e>
+                                      <m:sub>
+                                        <m:r>
+                                          <a:rPr lang="en-GB" i="1">
+                                            <a:latin typeface="Cambria Math" panose="02040503050406030204" pitchFamily="18" charset="0"/>
+                                          </a:rPr>
+                                          <m:t>1</m:t>
+                                        </m:r>
+                                      </m:sub>
+                                    </m:sSub>
+                                  </m:sup>
+                                </m:sSup>
+                                <m:r>
+                                  <a:rPr lang="en-GB" i="1">
+                                    <a:latin typeface="Cambria Math" panose="02040503050406030204" pitchFamily="18" charset="0"/>
+                                  </a:rPr>
+                                  <m:t>⋅</m:t>
+                                </m:r>
+                                <m:sSup>
+                                  <m:sSupPr>
+                                    <m:ctrlPr>
+                                      <a:rPr lang="en-GB" i="1">
+                                        <a:latin typeface="Cambria Math" panose="02040503050406030204" pitchFamily="18" charset="0"/>
+                                      </a:rPr>
+                                    </m:ctrlPr>
+                                  </m:sSupPr>
+                                  <m:e>
+                                    <m:r>
+                                      <a:rPr lang="en-GB" i="1">
+                                        <a:latin typeface="Cambria Math" panose="02040503050406030204" pitchFamily="18" charset="0"/>
+                                      </a:rPr>
+                                      <m:t>𝑔</m:t>
+                                    </m:r>
+                                  </m:e>
+                                  <m:sup>
+                                    <m:sSub>
+                                      <m:sSubPr>
+                                        <m:ctrlPr>
+                                          <a:rPr lang="en-GB" i="1">
+                                            <a:latin typeface="Cambria Math" panose="02040503050406030204" pitchFamily="18" charset="0"/>
+                                          </a:rPr>
+                                        </m:ctrlPr>
+                                      </m:sSubPr>
+                                      <m:e>
+                                        <m:r>
+                                          <a:rPr lang="en-GB" i="1">
+                                            <a:latin typeface="Cambria Math" panose="02040503050406030204" pitchFamily="18" charset="0"/>
+                                          </a:rPr>
+                                          <m:t>𝑟</m:t>
+                                        </m:r>
+                                      </m:e>
+                                      <m:sub>
+                                        <m:r>
+                                          <a:rPr lang="en-GB" i="1">
+                                            <a:latin typeface="Cambria Math" panose="02040503050406030204" pitchFamily="18" charset="0"/>
+                                          </a:rPr>
+                                          <m:t>2</m:t>
+                                        </m:r>
+                                      </m:sub>
+                                    </m:sSub>
+                                  </m:sup>
+                                </m:sSup>
+                              </m:e>
+                            </m:d>
+                          </m:e>
+                          <m:sup>
+                            <m:r>
+                              <a:rPr lang="en-GB" b="0" i="1" smtClean="0">
+                                <a:latin typeface="Cambria Math" panose="02040503050406030204" pitchFamily="18" charset="0"/>
+                              </a:rPr>
+                              <m:t>𝑠𝑘</m:t>
+                            </m:r>
+                          </m:sup>
+                        </m:sSup>
+                      </m:e>
+                      <m:sup>
+                        <m:r>
+                          <a:rPr lang="en-GB" b="0" i="1" smtClean="0">
+                            <a:latin typeface="Cambria Math" panose="02040503050406030204" pitchFamily="18" charset="0"/>
+                          </a:rPr>
+                          <m:t>−1</m:t>
+                        </m:r>
+                      </m:sup>
+                    </m:sSup>
+                  </m:oMath>
+                </a14:m>
+                <a:endParaRPr lang="en-GB" b="0" i="1" dirty="0">
+                  <a:latin typeface="Cambria Math" panose="02040503050406030204" pitchFamily="18" charset="0"/>
+                </a:endParaRPr>
+              </a:p>
+              <a:p>
+                <a:pPr marL="806450" indent="-806450">
+                  <a:buFont typeface="Cambria Math" panose="02040503050406030204" pitchFamily="18" charset="0"/>
+                  <a:buChar char=" "/>
+                </a:pPr>
+                <a14:m>
+                  <m:oMath xmlns:m="http://schemas.openxmlformats.org/officeDocument/2006/math">
+                    <m:r>
+                      <a:rPr lang="en-GB" b="0" i="1" smtClean="0">
+                        <a:latin typeface="Cambria Math" panose="02040503050406030204" pitchFamily="18" charset="0"/>
+                      </a:rPr>
+                      <m:t>=</m:t>
+                    </m:r>
+                    <m:sSub>
+                      <m:sSubPr>
+                        <m:ctrlPr>
+                          <a:rPr lang="en-GB" i="1">
+                            <a:latin typeface="Cambria Math" panose="02040503050406030204" pitchFamily="18" charset="0"/>
+                          </a:rPr>
+                        </m:ctrlPr>
+                      </m:sSubPr>
+                      <m:e>
+                        <m:r>
+                          <a:rPr lang="en-GB" i="1">
+                            <a:latin typeface="Cambria Math" panose="02040503050406030204" pitchFamily="18" charset="0"/>
+                          </a:rPr>
+                          <m:t>𝑚</m:t>
+                        </m:r>
+                      </m:e>
+                      <m:sub>
+                        <m:r>
+                          <a:rPr lang="en-GB" i="1">
+                            <a:latin typeface="Cambria Math" panose="02040503050406030204" pitchFamily="18" charset="0"/>
+                          </a:rPr>
+                          <m:t>1</m:t>
+                        </m:r>
+                      </m:sub>
+                    </m:sSub>
+                    <m:r>
+                      <a:rPr lang="en-GB" i="1">
+                        <a:latin typeface="Cambria Math" panose="02040503050406030204" pitchFamily="18" charset="0"/>
+                      </a:rPr>
+                      <m:t>⋅</m:t>
+                    </m:r>
+                    <m:r>
+                      <a:rPr lang="en-GB" i="1">
+                        <a:latin typeface="Cambria Math" panose="02040503050406030204" pitchFamily="18" charset="0"/>
+                      </a:rPr>
+                      <m:t>𝑝</m:t>
+                    </m:r>
+                    <m:sSup>
+                      <m:sSupPr>
+                        <m:ctrlPr>
+                          <a:rPr lang="en-GB" i="1">
+                            <a:latin typeface="Cambria Math" panose="02040503050406030204" pitchFamily="18" charset="0"/>
+                          </a:rPr>
+                        </m:ctrlPr>
+                      </m:sSupPr>
+                      <m:e>
+                        <m:r>
+                          <a:rPr lang="en-GB" i="1">
+                            <a:latin typeface="Cambria Math" panose="02040503050406030204" pitchFamily="18" charset="0"/>
+                          </a:rPr>
+                          <m:t>𝑘</m:t>
+                        </m:r>
+                      </m:e>
+                      <m:sup>
+                        <m:sSub>
+                          <m:sSubPr>
+                            <m:ctrlPr>
+                              <a:rPr lang="en-GB" i="1">
+                                <a:latin typeface="Cambria Math" panose="02040503050406030204" pitchFamily="18" charset="0"/>
+                              </a:rPr>
+                            </m:ctrlPr>
+                          </m:sSubPr>
+                          <m:e>
+                            <m:r>
+                              <a:rPr lang="en-GB" i="1">
+                                <a:latin typeface="Cambria Math" panose="02040503050406030204" pitchFamily="18" charset="0"/>
+                              </a:rPr>
+                              <m:t>𝑟</m:t>
+                            </m:r>
+                          </m:e>
+                          <m:sub>
+                            <m:r>
+                              <a:rPr lang="en-GB" i="1">
+                                <a:latin typeface="Cambria Math" panose="02040503050406030204" pitchFamily="18" charset="0"/>
+                              </a:rPr>
+                              <m:t>1</m:t>
+                            </m:r>
+                          </m:sub>
+                        </m:sSub>
+                      </m:sup>
+                    </m:sSup>
+                    <m:r>
+                      <a:rPr lang="en-GB" i="1">
+                        <a:latin typeface="Cambria Math" panose="02040503050406030204" pitchFamily="18" charset="0"/>
+                      </a:rPr>
+                      <m:t>⋅</m:t>
+                    </m:r>
+                    <m:sSub>
+                      <m:sSubPr>
+                        <m:ctrlPr>
+                          <a:rPr lang="en-GB" i="1">
+                            <a:latin typeface="Cambria Math" panose="02040503050406030204" pitchFamily="18" charset="0"/>
+                          </a:rPr>
+                        </m:ctrlPr>
+                      </m:sSubPr>
+                      <m:e>
+                        <m:r>
+                          <a:rPr lang="en-GB" i="1">
+                            <a:latin typeface="Cambria Math" panose="02040503050406030204" pitchFamily="18" charset="0"/>
+                          </a:rPr>
+                          <m:t>𝑚</m:t>
+                        </m:r>
+                      </m:e>
+                      <m:sub>
+                        <m:r>
+                          <a:rPr lang="en-GB" i="1">
+                            <a:latin typeface="Cambria Math" panose="02040503050406030204" pitchFamily="18" charset="0"/>
+                          </a:rPr>
+                          <m:t>2</m:t>
+                        </m:r>
+                      </m:sub>
+                    </m:sSub>
+                    <m:r>
+                      <a:rPr lang="en-GB" i="1">
+                        <a:latin typeface="Cambria Math" panose="02040503050406030204" pitchFamily="18" charset="0"/>
+                      </a:rPr>
+                      <m:t>⋅</m:t>
+                    </m:r>
+                    <m:r>
+                      <a:rPr lang="en-GB" i="1">
+                        <a:latin typeface="Cambria Math" panose="02040503050406030204" pitchFamily="18" charset="0"/>
+                      </a:rPr>
+                      <m:t>𝑝</m:t>
+                    </m:r>
+                    <m:sSup>
+                      <m:sSupPr>
+                        <m:ctrlPr>
+                          <a:rPr lang="en-GB" i="1">
+                            <a:latin typeface="Cambria Math" panose="02040503050406030204" pitchFamily="18" charset="0"/>
+                          </a:rPr>
+                        </m:ctrlPr>
+                      </m:sSupPr>
+                      <m:e>
+                        <m:r>
+                          <a:rPr lang="en-GB" i="1">
+                            <a:latin typeface="Cambria Math" panose="02040503050406030204" pitchFamily="18" charset="0"/>
+                          </a:rPr>
+                          <m:t>𝑘</m:t>
+                        </m:r>
+                      </m:e>
+                      <m:sup>
+                        <m:sSub>
+                          <m:sSubPr>
+                            <m:ctrlPr>
+                              <a:rPr lang="en-GB" i="1">
+                                <a:latin typeface="Cambria Math" panose="02040503050406030204" pitchFamily="18" charset="0"/>
+                              </a:rPr>
+                            </m:ctrlPr>
+                          </m:sSubPr>
+                          <m:e>
+                            <m:r>
+                              <a:rPr lang="en-GB" i="1">
+                                <a:latin typeface="Cambria Math" panose="02040503050406030204" pitchFamily="18" charset="0"/>
+                              </a:rPr>
+                              <m:t>𝑟</m:t>
+                            </m:r>
+                          </m:e>
+                          <m:sub>
+                            <m:r>
+                              <a:rPr lang="en-GB" i="1">
+                                <a:latin typeface="Cambria Math" panose="02040503050406030204" pitchFamily="18" charset="0"/>
+                              </a:rPr>
+                              <m:t>2</m:t>
+                            </m:r>
+                          </m:sub>
+                        </m:sSub>
+                      </m:sup>
+                    </m:sSup>
+                    <m:r>
+                      <a:rPr lang="en-GB" b="0" i="1" smtClean="0">
+                        <a:latin typeface="Cambria Math" panose="02040503050406030204" pitchFamily="18" charset="0"/>
+                      </a:rPr>
+                      <m:t>⋅</m:t>
+                    </m:r>
+                    <m:sSup>
+                      <m:sSupPr>
+                        <m:ctrlPr>
+                          <a:rPr lang="en-GB" i="1">
+                            <a:latin typeface="Cambria Math" panose="02040503050406030204" pitchFamily="18" charset="0"/>
+                          </a:rPr>
+                        </m:ctrlPr>
+                      </m:sSupPr>
+                      <m:e>
+                        <m:sSup>
+                          <m:sSupPr>
+                            <m:ctrlPr>
+                              <a:rPr lang="en-GB" i="1">
+                                <a:latin typeface="Cambria Math" panose="02040503050406030204" pitchFamily="18" charset="0"/>
+                              </a:rPr>
+                            </m:ctrlPr>
+                          </m:sSupPr>
+                          <m:e>
+                            <m:d>
+                              <m:dPr>
+                                <m:ctrlPr>
+                                  <a:rPr lang="en-GB" i="1">
+                                    <a:latin typeface="Cambria Math" panose="02040503050406030204" pitchFamily="18" charset="0"/>
+                                  </a:rPr>
+                                </m:ctrlPr>
+                              </m:dPr>
+                              <m:e>
+                                <m:sSup>
+                                  <m:sSupPr>
+                                    <m:ctrlPr>
+                                      <a:rPr lang="en-GB" i="1">
+                                        <a:latin typeface="Cambria Math" panose="02040503050406030204" pitchFamily="18" charset="0"/>
+                                      </a:rPr>
+                                    </m:ctrlPr>
+                                  </m:sSupPr>
+                                  <m:e>
+                                    <m:r>
+                                      <a:rPr lang="en-GB" i="1">
+                                        <a:latin typeface="Cambria Math" panose="02040503050406030204" pitchFamily="18" charset="0"/>
+                                      </a:rPr>
+                                      <m:t>𝑔</m:t>
+                                    </m:r>
+                                  </m:e>
+                                  <m:sup>
+                                    <m:sSub>
+                                      <m:sSubPr>
+                                        <m:ctrlPr>
+                                          <a:rPr lang="en-GB" i="1">
+                                            <a:latin typeface="Cambria Math" panose="02040503050406030204" pitchFamily="18" charset="0"/>
+                                          </a:rPr>
+                                        </m:ctrlPr>
+                                      </m:sSubPr>
+                                      <m:e>
+                                        <m:r>
+                                          <a:rPr lang="en-GB" i="1">
+                                            <a:latin typeface="Cambria Math" panose="02040503050406030204" pitchFamily="18" charset="0"/>
+                                          </a:rPr>
+                                          <m:t>𝑟</m:t>
+                                        </m:r>
+                                      </m:e>
+                                      <m:sub>
+                                        <m:r>
+                                          <a:rPr lang="en-GB" i="1">
+                                            <a:latin typeface="Cambria Math" panose="02040503050406030204" pitchFamily="18" charset="0"/>
+                                          </a:rPr>
+                                          <m:t>1</m:t>
+                                        </m:r>
+                                      </m:sub>
+                                    </m:sSub>
+                                  </m:sup>
+                                </m:sSup>
+                                <m:r>
+                                  <a:rPr lang="en-GB" i="1">
+                                    <a:latin typeface="Cambria Math" panose="02040503050406030204" pitchFamily="18" charset="0"/>
+                                  </a:rPr>
+                                  <m:t>⋅</m:t>
+                                </m:r>
+                                <m:sSup>
+                                  <m:sSupPr>
+                                    <m:ctrlPr>
+                                      <a:rPr lang="en-GB" i="1">
+                                        <a:latin typeface="Cambria Math" panose="02040503050406030204" pitchFamily="18" charset="0"/>
+                                      </a:rPr>
+                                    </m:ctrlPr>
+                                  </m:sSupPr>
+                                  <m:e>
+                                    <m:r>
+                                      <a:rPr lang="en-GB" i="1">
+                                        <a:latin typeface="Cambria Math" panose="02040503050406030204" pitchFamily="18" charset="0"/>
+                                      </a:rPr>
+                                      <m:t>𝑔</m:t>
+                                    </m:r>
+                                  </m:e>
+                                  <m:sup>
+                                    <m:sSub>
+                                      <m:sSubPr>
+                                        <m:ctrlPr>
+                                          <a:rPr lang="en-GB" i="1">
+                                            <a:latin typeface="Cambria Math" panose="02040503050406030204" pitchFamily="18" charset="0"/>
+                                          </a:rPr>
+                                        </m:ctrlPr>
+                                      </m:sSubPr>
+                                      <m:e>
+                                        <m:r>
+                                          <a:rPr lang="en-GB" i="1">
+                                            <a:latin typeface="Cambria Math" panose="02040503050406030204" pitchFamily="18" charset="0"/>
+                                          </a:rPr>
+                                          <m:t>𝑟</m:t>
+                                        </m:r>
+                                      </m:e>
+                                      <m:sub>
+                                        <m:r>
+                                          <a:rPr lang="en-GB" i="1">
+                                            <a:latin typeface="Cambria Math" panose="02040503050406030204" pitchFamily="18" charset="0"/>
+                                          </a:rPr>
+                                          <m:t>2</m:t>
+                                        </m:r>
+                                      </m:sub>
+                                    </m:sSub>
+                                  </m:sup>
+                                </m:sSup>
+                              </m:e>
+                            </m:d>
+                          </m:e>
+                          <m:sup>
+                            <m:r>
+                              <a:rPr lang="en-GB" i="1">
+                                <a:latin typeface="Cambria Math" panose="02040503050406030204" pitchFamily="18" charset="0"/>
+                              </a:rPr>
+                              <m:t>𝑠𝑘</m:t>
+                            </m:r>
+                          </m:sup>
+                        </m:sSup>
+                      </m:e>
+                      <m:sup>
+                        <m:r>
+                          <a:rPr lang="en-GB" i="1">
+                            <a:latin typeface="Cambria Math" panose="02040503050406030204" pitchFamily="18" charset="0"/>
+                          </a:rPr>
+                          <m:t>−1</m:t>
+                        </m:r>
+                      </m:sup>
+                    </m:sSup>
+                  </m:oMath>
+                </a14:m>
+                <a:endParaRPr lang="en-GB" i="1" dirty="0">
+                  <a:latin typeface="Cambria Math" panose="02040503050406030204" pitchFamily="18" charset="0"/>
+                </a:endParaRPr>
+              </a:p>
+              <a:p>
+                <a:pPr marL="806450" indent="-806450">
+                  <a:buFont typeface="Cambria Math" panose="02040503050406030204" pitchFamily="18" charset="0"/>
+                  <a:buChar char=" "/>
+                </a:pPr>
+                <a14:m>
+                  <m:oMath xmlns:m="http://schemas.openxmlformats.org/officeDocument/2006/math">
+                    <m:r>
+                      <a:rPr lang="en-GB" b="0" i="1" smtClean="0">
+                        <a:latin typeface="Cambria Math" panose="02040503050406030204" pitchFamily="18" charset="0"/>
+                      </a:rPr>
+                      <m:t>=</m:t>
+                    </m:r>
+                    <m:sSub>
+                      <m:sSubPr>
+                        <m:ctrlPr>
+                          <a:rPr lang="en-GB" i="1">
+                            <a:latin typeface="Cambria Math" panose="02040503050406030204" pitchFamily="18" charset="0"/>
+                          </a:rPr>
+                        </m:ctrlPr>
+                      </m:sSubPr>
+                      <m:e>
+                        <m:r>
+                          <a:rPr lang="en-GB" i="1">
+                            <a:latin typeface="Cambria Math" panose="02040503050406030204" pitchFamily="18" charset="0"/>
+                          </a:rPr>
+                          <m:t>𝑚</m:t>
+                        </m:r>
+                      </m:e>
+                      <m:sub>
+                        <m:r>
+                          <a:rPr lang="en-GB" i="1">
+                            <a:latin typeface="Cambria Math" panose="02040503050406030204" pitchFamily="18" charset="0"/>
+                          </a:rPr>
+                          <m:t>1</m:t>
+                        </m:r>
+                      </m:sub>
+                    </m:sSub>
+                    <m:r>
+                      <a:rPr lang="en-GB" i="1">
+                        <a:latin typeface="Cambria Math" panose="02040503050406030204" pitchFamily="18" charset="0"/>
+                      </a:rPr>
+                      <m:t>⋅</m:t>
+                    </m:r>
+                    <m:sSup>
+                      <m:sSupPr>
+                        <m:ctrlPr>
+                          <a:rPr lang="en-GB" i="1">
+                            <a:latin typeface="Cambria Math" panose="02040503050406030204" pitchFamily="18" charset="0"/>
+                          </a:rPr>
+                        </m:ctrlPr>
+                      </m:sSupPr>
+                      <m:e>
+                        <m:sSup>
+                          <m:sSupPr>
+                            <m:ctrlPr>
+                              <a:rPr lang="en-GB" b="0" i="1" smtClean="0">
+                                <a:latin typeface="Cambria Math" panose="02040503050406030204" pitchFamily="18" charset="0"/>
+                              </a:rPr>
+                            </m:ctrlPr>
+                          </m:sSupPr>
+                          <m:e>
+                            <m:r>
+                              <a:rPr lang="en-GB" b="0" i="1" smtClean="0">
+                                <a:latin typeface="Cambria Math" panose="02040503050406030204" pitchFamily="18" charset="0"/>
+                              </a:rPr>
+                              <m:t>𝑔</m:t>
+                            </m:r>
+                          </m:e>
+                          <m:sup>
+                            <m:r>
+                              <a:rPr lang="en-GB" b="0" i="1" smtClean="0">
+                                <a:latin typeface="Cambria Math" panose="02040503050406030204" pitchFamily="18" charset="0"/>
+                              </a:rPr>
+                              <m:t>𝑠𝑘</m:t>
+                            </m:r>
+                          </m:sup>
+                        </m:sSup>
+                      </m:e>
+                      <m:sup>
+                        <m:sSub>
+                          <m:sSubPr>
+                            <m:ctrlPr>
+                              <a:rPr lang="en-GB" i="1">
+                                <a:latin typeface="Cambria Math" panose="02040503050406030204" pitchFamily="18" charset="0"/>
+                              </a:rPr>
+                            </m:ctrlPr>
+                          </m:sSubPr>
+                          <m:e>
+                            <m:r>
+                              <a:rPr lang="en-GB" i="1">
+                                <a:latin typeface="Cambria Math" panose="02040503050406030204" pitchFamily="18" charset="0"/>
+                              </a:rPr>
+                              <m:t>𝑟</m:t>
+                            </m:r>
+                          </m:e>
+                          <m:sub>
+                            <m:r>
+                              <a:rPr lang="en-GB" i="1">
+                                <a:latin typeface="Cambria Math" panose="02040503050406030204" pitchFamily="18" charset="0"/>
+                              </a:rPr>
+                              <m:t>1</m:t>
+                            </m:r>
+                          </m:sub>
+                        </m:sSub>
+                      </m:sup>
+                    </m:sSup>
+                    <m:r>
+                      <a:rPr lang="en-GB" i="1">
+                        <a:latin typeface="Cambria Math" panose="02040503050406030204" pitchFamily="18" charset="0"/>
+                      </a:rPr>
+                      <m:t>⋅</m:t>
+                    </m:r>
+                    <m:sSub>
+                      <m:sSubPr>
+                        <m:ctrlPr>
+                          <a:rPr lang="en-GB" i="1">
+                            <a:latin typeface="Cambria Math" panose="02040503050406030204" pitchFamily="18" charset="0"/>
+                          </a:rPr>
+                        </m:ctrlPr>
+                      </m:sSubPr>
+                      <m:e>
+                        <m:r>
+                          <a:rPr lang="en-GB" i="1">
+                            <a:latin typeface="Cambria Math" panose="02040503050406030204" pitchFamily="18" charset="0"/>
+                          </a:rPr>
+                          <m:t>𝑚</m:t>
+                        </m:r>
+                      </m:e>
+                      <m:sub>
+                        <m:r>
+                          <a:rPr lang="en-GB" i="1">
+                            <a:latin typeface="Cambria Math" panose="02040503050406030204" pitchFamily="18" charset="0"/>
+                          </a:rPr>
+                          <m:t>2</m:t>
+                        </m:r>
+                      </m:sub>
+                    </m:sSub>
+                    <m:r>
+                      <a:rPr lang="en-GB" i="1">
+                        <a:latin typeface="Cambria Math" panose="02040503050406030204" pitchFamily="18" charset="0"/>
+                      </a:rPr>
+                      <m:t>⋅</m:t>
+                    </m:r>
+                    <m:sSup>
+                      <m:sSupPr>
+                        <m:ctrlPr>
+                          <a:rPr lang="en-GB" i="1">
+                            <a:latin typeface="Cambria Math" panose="02040503050406030204" pitchFamily="18" charset="0"/>
+                          </a:rPr>
+                        </m:ctrlPr>
+                      </m:sSupPr>
+                      <m:e>
+                        <m:sSup>
+                          <m:sSupPr>
+                            <m:ctrlPr>
+                              <a:rPr lang="en-GB" b="0" i="1" smtClean="0">
+                                <a:latin typeface="Cambria Math" panose="02040503050406030204" pitchFamily="18" charset="0"/>
+                              </a:rPr>
+                            </m:ctrlPr>
+                          </m:sSupPr>
+                          <m:e>
+                            <m:r>
+                              <a:rPr lang="en-GB" b="0" i="1" smtClean="0">
+                                <a:latin typeface="Cambria Math" panose="02040503050406030204" pitchFamily="18" charset="0"/>
+                              </a:rPr>
+                              <m:t>𝑔</m:t>
+                            </m:r>
+                          </m:e>
+                          <m:sup>
+                            <m:r>
+                              <a:rPr lang="en-GB" b="0" i="1" smtClean="0">
+                                <a:latin typeface="Cambria Math" panose="02040503050406030204" pitchFamily="18" charset="0"/>
+                              </a:rPr>
+                              <m:t>𝑠𝑘</m:t>
+                            </m:r>
+                          </m:sup>
+                        </m:sSup>
+                      </m:e>
+                      <m:sup>
+                        <m:sSub>
+                          <m:sSubPr>
+                            <m:ctrlPr>
+                              <a:rPr lang="en-GB" i="1">
+                                <a:latin typeface="Cambria Math" panose="02040503050406030204" pitchFamily="18" charset="0"/>
+                              </a:rPr>
+                            </m:ctrlPr>
+                          </m:sSubPr>
+                          <m:e>
+                            <m:r>
+                              <a:rPr lang="en-GB" i="1">
+                                <a:latin typeface="Cambria Math" panose="02040503050406030204" pitchFamily="18" charset="0"/>
+                              </a:rPr>
+                              <m:t>𝑟</m:t>
+                            </m:r>
+                          </m:e>
+                          <m:sub>
+                            <m:r>
+                              <a:rPr lang="en-GB" i="1">
+                                <a:latin typeface="Cambria Math" panose="02040503050406030204" pitchFamily="18" charset="0"/>
+                              </a:rPr>
+                              <m:t>2</m:t>
+                            </m:r>
+                          </m:sub>
+                        </m:sSub>
+                      </m:sup>
+                    </m:sSup>
+                    <m:r>
+                      <a:rPr lang="en-GB" i="1">
+                        <a:latin typeface="Cambria Math" panose="02040503050406030204" pitchFamily="18" charset="0"/>
+                      </a:rPr>
+                      <m:t>⋅</m:t>
+                    </m:r>
+                    <m:sSup>
+                      <m:sSupPr>
+                        <m:ctrlPr>
+                          <a:rPr lang="en-GB" i="1">
+                            <a:latin typeface="Cambria Math" panose="02040503050406030204" pitchFamily="18" charset="0"/>
+                          </a:rPr>
+                        </m:ctrlPr>
+                      </m:sSupPr>
+                      <m:e>
+                        <m:sSup>
+                          <m:sSupPr>
+                            <m:ctrlPr>
+                              <a:rPr lang="en-GB" i="1">
+                                <a:latin typeface="Cambria Math" panose="02040503050406030204" pitchFamily="18" charset="0"/>
+                              </a:rPr>
+                            </m:ctrlPr>
+                          </m:sSupPr>
+                          <m:e>
+                            <m:d>
+                              <m:dPr>
+                                <m:ctrlPr>
+                                  <a:rPr lang="en-GB" i="1">
+                                    <a:latin typeface="Cambria Math" panose="02040503050406030204" pitchFamily="18" charset="0"/>
+                                  </a:rPr>
+                                </m:ctrlPr>
+                              </m:dPr>
+                              <m:e>
+                                <m:sSup>
+                                  <m:sSupPr>
+                                    <m:ctrlPr>
+                                      <a:rPr lang="en-GB" i="1">
+                                        <a:latin typeface="Cambria Math" panose="02040503050406030204" pitchFamily="18" charset="0"/>
+                                      </a:rPr>
+                                    </m:ctrlPr>
+                                  </m:sSupPr>
+                                  <m:e>
+                                    <m:r>
+                                      <a:rPr lang="en-GB" i="1">
+                                        <a:latin typeface="Cambria Math" panose="02040503050406030204" pitchFamily="18" charset="0"/>
+                                      </a:rPr>
+                                      <m:t>𝑔</m:t>
+                                    </m:r>
+                                  </m:e>
+                                  <m:sup>
+                                    <m:sSub>
+                                      <m:sSubPr>
+                                        <m:ctrlPr>
+                                          <a:rPr lang="en-GB" i="1">
+                                            <a:latin typeface="Cambria Math" panose="02040503050406030204" pitchFamily="18" charset="0"/>
+                                          </a:rPr>
+                                        </m:ctrlPr>
+                                      </m:sSubPr>
+                                      <m:e>
+                                        <m:r>
+                                          <a:rPr lang="en-GB" i="1">
+                                            <a:latin typeface="Cambria Math" panose="02040503050406030204" pitchFamily="18" charset="0"/>
+                                          </a:rPr>
+                                          <m:t>𝑟</m:t>
+                                        </m:r>
+                                      </m:e>
+                                      <m:sub>
+                                        <m:r>
+                                          <a:rPr lang="en-GB" i="1">
+                                            <a:latin typeface="Cambria Math" panose="02040503050406030204" pitchFamily="18" charset="0"/>
+                                          </a:rPr>
+                                          <m:t>1</m:t>
+                                        </m:r>
+                                      </m:sub>
+                                    </m:sSub>
+                                  </m:sup>
+                                </m:sSup>
+                                <m:r>
+                                  <a:rPr lang="en-GB" i="1">
+                                    <a:latin typeface="Cambria Math" panose="02040503050406030204" pitchFamily="18" charset="0"/>
+                                  </a:rPr>
+                                  <m:t>⋅</m:t>
+                                </m:r>
+                                <m:sSup>
+                                  <m:sSupPr>
+                                    <m:ctrlPr>
+                                      <a:rPr lang="en-GB" i="1">
+                                        <a:latin typeface="Cambria Math" panose="02040503050406030204" pitchFamily="18" charset="0"/>
+                                      </a:rPr>
+                                    </m:ctrlPr>
+                                  </m:sSupPr>
+                                  <m:e>
+                                    <m:r>
+                                      <a:rPr lang="en-GB" i="1">
+                                        <a:latin typeface="Cambria Math" panose="02040503050406030204" pitchFamily="18" charset="0"/>
+                                      </a:rPr>
+                                      <m:t>𝑔</m:t>
+                                    </m:r>
+                                  </m:e>
+                                  <m:sup>
+                                    <m:sSub>
+                                      <m:sSubPr>
+                                        <m:ctrlPr>
+                                          <a:rPr lang="en-GB" i="1">
+                                            <a:latin typeface="Cambria Math" panose="02040503050406030204" pitchFamily="18" charset="0"/>
+                                          </a:rPr>
+                                        </m:ctrlPr>
+                                      </m:sSubPr>
+                                      <m:e>
+                                        <m:r>
+                                          <a:rPr lang="en-GB" i="1">
+                                            <a:latin typeface="Cambria Math" panose="02040503050406030204" pitchFamily="18" charset="0"/>
+                                          </a:rPr>
+                                          <m:t>𝑟</m:t>
+                                        </m:r>
+                                      </m:e>
+                                      <m:sub>
+                                        <m:r>
+                                          <a:rPr lang="en-GB" i="1">
+                                            <a:latin typeface="Cambria Math" panose="02040503050406030204" pitchFamily="18" charset="0"/>
+                                          </a:rPr>
+                                          <m:t>2</m:t>
+                                        </m:r>
+                                      </m:sub>
+                                    </m:sSub>
+                                  </m:sup>
+                                </m:sSup>
+                              </m:e>
+                            </m:d>
+                          </m:e>
+                          <m:sup>
+                            <m:r>
+                              <a:rPr lang="en-GB" i="1">
+                                <a:latin typeface="Cambria Math" panose="02040503050406030204" pitchFamily="18" charset="0"/>
+                              </a:rPr>
+                              <m:t>𝑠𝑘</m:t>
+                            </m:r>
+                          </m:sup>
+                        </m:sSup>
+                      </m:e>
+                      <m:sup>
+                        <m:r>
+                          <a:rPr lang="en-GB" i="1">
+                            <a:latin typeface="Cambria Math" panose="02040503050406030204" pitchFamily="18" charset="0"/>
+                          </a:rPr>
+                          <m:t>−1</m:t>
+                        </m:r>
+                      </m:sup>
+                    </m:sSup>
+                    <m:r>
+                      <a:rPr lang="en-GB" b="0" i="1" smtClean="0">
+                        <a:latin typeface="Cambria Math" panose="02040503050406030204" pitchFamily="18" charset="0"/>
+                      </a:rPr>
+                      <m:t>=</m:t>
+                    </m:r>
+                    <m:sSub>
+                      <m:sSubPr>
+                        <m:ctrlPr>
+                          <a:rPr lang="en-GB" b="0" i="1" smtClean="0">
+                            <a:latin typeface="Cambria Math" panose="02040503050406030204" pitchFamily="18" charset="0"/>
+                          </a:rPr>
+                        </m:ctrlPr>
+                      </m:sSubPr>
+                      <m:e>
+                        <m:r>
+                          <a:rPr lang="en-GB" b="0" i="1" smtClean="0">
+                            <a:latin typeface="Cambria Math" panose="02040503050406030204" pitchFamily="18" charset="0"/>
+                          </a:rPr>
+                          <m:t>𝑚</m:t>
+                        </m:r>
+                      </m:e>
+                      <m:sub>
+                        <m:r>
+                          <a:rPr lang="en-GB" b="0" i="1" smtClean="0">
+                            <a:latin typeface="Cambria Math" panose="02040503050406030204" pitchFamily="18" charset="0"/>
+                          </a:rPr>
+                          <m:t>1</m:t>
+                        </m:r>
+                      </m:sub>
+                    </m:sSub>
+                    <m:r>
+                      <a:rPr lang="en-GB" b="0" i="1" smtClean="0">
+                        <a:latin typeface="Cambria Math" panose="02040503050406030204" pitchFamily="18" charset="0"/>
+                      </a:rPr>
+                      <m:t>⋅</m:t>
+                    </m:r>
+                    <m:sSub>
+                      <m:sSubPr>
+                        <m:ctrlPr>
+                          <a:rPr lang="en-GB" b="0" i="1" smtClean="0">
+                            <a:latin typeface="Cambria Math" panose="02040503050406030204" pitchFamily="18" charset="0"/>
+                          </a:rPr>
+                        </m:ctrlPr>
+                      </m:sSubPr>
+                      <m:e>
+                        <m:r>
+                          <a:rPr lang="en-GB" b="0" i="1" smtClean="0">
+                            <a:latin typeface="Cambria Math" panose="02040503050406030204" pitchFamily="18" charset="0"/>
+                          </a:rPr>
+                          <m:t>𝑚</m:t>
+                        </m:r>
+                      </m:e>
+                      <m:sub>
+                        <m:r>
+                          <a:rPr lang="en-GB" b="0" i="1" smtClean="0">
+                            <a:latin typeface="Cambria Math" panose="02040503050406030204" pitchFamily="18" charset="0"/>
+                          </a:rPr>
+                          <m:t>2</m:t>
+                        </m:r>
+                      </m:sub>
+                    </m:sSub>
+                  </m:oMath>
+                </a14:m>
+                <a:endParaRPr lang="en-GB" dirty="0"/>
+              </a:p>
+              <a:p>
+                <a:pPr marL="0" indent="0">
+                  <a:buNone/>
+                </a:pPr>
+                <a:endParaRPr lang="en-GB" dirty="0"/>
+              </a:p>
+              <a:p>
+                <a:pPr marL="0" indent="0">
+                  <a:buNone/>
+                </a:pPr>
+                <a:r>
+                  <a:rPr lang="en-GB" dirty="0"/>
+                  <a:t>All operations </a:t>
+                </a:r>
+                <a14:m>
+                  <m:oMath xmlns:m="http://schemas.openxmlformats.org/officeDocument/2006/math">
+                    <m:r>
+                      <m:rPr>
+                        <m:nor/>
+                      </m:rPr>
+                      <a:rPr lang="en-GB" b="0" i="0" smtClean="0">
+                        <a:latin typeface="Cambria Math" panose="02040503050406030204" pitchFamily="18" charset="0"/>
+                      </a:rPr>
+                      <m:t>mod</m:t>
+                    </m:r>
+                    <m:r>
+                      <a:rPr lang="en-GB" b="0" i="1" smtClean="0">
+                        <a:latin typeface="Cambria Math" panose="02040503050406030204" pitchFamily="18" charset="0"/>
+                      </a:rPr>
+                      <m:t> </m:t>
+                    </m:r>
+                    <m:d>
+                      <m:dPr>
+                        <m:ctrlPr>
+                          <a:rPr lang="en-GB" b="0" i="1" smtClean="0">
+                            <a:latin typeface="Cambria Math" panose="02040503050406030204" pitchFamily="18" charset="0"/>
+                          </a:rPr>
+                        </m:ctrlPr>
+                      </m:dPr>
+                      <m:e>
+                        <m:r>
+                          <a:rPr lang="en-GB" b="0" i="1" smtClean="0">
+                            <a:latin typeface="Cambria Math" panose="02040503050406030204" pitchFamily="18" charset="0"/>
+                          </a:rPr>
+                          <m:t>𝑝</m:t>
+                        </m:r>
+                      </m:e>
+                    </m:d>
+                  </m:oMath>
+                </a14:m>
+                <a:endParaRPr lang="en-GB" dirty="0"/>
+              </a:p>
+            </p:txBody>
+          </p:sp>
+        </mc:Choice>
+        <mc:Fallback>
+          <p:sp>
+            <p:nvSpPr>
+              <p:cNvPr id="3" name="Content Placeholder 2">
+                <a:extLst>
+                  <a:ext uri="{FF2B5EF4-FFF2-40B4-BE49-F238E27FC236}">
+                    <a16:creationId xmlns:a16="http://schemas.microsoft.com/office/drawing/2014/main" id="{4AB761B6-0767-1132-446B-C426ACA2F6DD}"/>
+                  </a:ext>
+                </a:extLst>
+              </p:cNvPr>
+              <p:cNvSpPr>
+                <a:spLocks noGrp="1" noRot="1" noChangeAspect="1" noMove="1" noResize="1" noEditPoints="1" noAdjustHandles="1" noChangeArrowheads="1" noChangeShapeType="1" noTextEdit="1"/>
+              </p:cNvSpPr>
+              <p:nvPr>
+                <p:ph idx="1"/>
+              </p:nvPr>
+            </p:nvSpPr>
+            <p:spPr>
+              <a:xfrm>
+                <a:off x="1261872" y="1820863"/>
+                <a:ext cx="8595360" cy="4351337"/>
+              </a:xfrm>
+              <a:blipFill>
+                <a:blip r:embed="rId2"/>
+                <a:stretch>
+                  <a:fillRect l="-567" t="-1120"/>
+                </a:stretch>
+              </a:blipFill>
+            </p:spPr>
+            <p:txBody>
+              <a:bodyPr/>
+              <a:lstStyle/>
+              <a:p>
+                <a:r>
+                  <a:rPr lang="en-GB">
+                    <a:noFill/>
+                  </a:rPr>
+                  <a:t> </a:t>
+                </a:r>
+              </a:p>
+            </p:txBody>
+          </p:sp>
+        </mc:Fallback>
+      </mc:AlternateContent>
+      <p:sp>
+        <p:nvSpPr>
+          <p:cNvPr id="4" name="Slide Number Placeholder 3">
+            <a:extLst>
+              <a:ext uri="{FF2B5EF4-FFF2-40B4-BE49-F238E27FC236}">
+                <a16:creationId xmlns:a16="http://schemas.microsoft.com/office/drawing/2014/main" id="{99663D73-BF9A-2E14-F396-442CCD34823D}"/>
+              </a:ext>
+            </a:extLst>
+          </p:cNvPr>
+          <p:cNvSpPr>
+            <a:spLocks noGrp="1"/>
+          </p:cNvSpPr>
+          <p:nvPr>
+            <p:ph type="sldNum" sz="quarter" idx="12"/>
+          </p:nvPr>
+        </p:nvSpPr>
+        <p:spPr/>
+        <p:txBody>
+          <a:bodyPr>
+            <a:normAutofit lnSpcReduction="10000"/>
+          </a:bodyPr>
+          <a:lstStyle/>
+          <a:p>
+            <a:fld id="{05FD7838-569C-4EAB-98FE-B3CDE1C02B93}" type="slidenum">
+              <a:rPr lang="en-GB" smtClean="0"/>
+              <a:t>45</a:t>
+            </a:fld>
+            <a:endParaRPr lang="en-GB" dirty="0"/>
+          </a:p>
+        </p:txBody>
+      </p:sp>
+    </p:spTree>
+    <p:extLst>
+      <p:ext uri="{BB962C8B-B14F-4D97-AF65-F5344CB8AC3E}">
+        <p14:creationId xmlns:p14="http://schemas.microsoft.com/office/powerpoint/2010/main" val="2983201056"/>
       </p:ext>
     </p:extLst>
   </p:cSld>
